--- a/File-Slide/NMCNPM-BC.pptx
+++ b/File-Slide/NMCNPM-BC.pptx
@@ -5,7 +5,7 @@
     <p:sldMasterId id="2147483668" r:id="rId1"/>
   </p:sldMasterIdLst>
   <p:notesMasterIdLst>
-    <p:notesMasterId r:id="rId29"/>
+    <p:notesMasterId r:id="rId22"/>
   </p:notesMasterIdLst>
   <p:sldIdLst>
     <p:sldId id="256" r:id="rId2"/>
@@ -20,21 +20,14 @@
     <p:sldId id="268" r:id="rId11"/>
     <p:sldId id="269" r:id="rId12"/>
     <p:sldId id="271" r:id="rId13"/>
-    <p:sldId id="279" r:id="rId14"/>
-    <p:sldId id="280" r:id="rId15"/>
-    <p:sldId id="281" r:id="rId16"/>
-    <p:sldId id="282" r:id="rId17"/>
-    <p:sldId id="283" r:id="rId18"/>
-    <p:sldId id="284" r:id="rId19"/>
-    <p:sldId id="285" r:id="rId20"/>
-    <p:sldId id="286" r:id="rId21"/>
-    <p:sldId id="287" r:id="rId22"/>
-    <p:sldId id="288" r:id="rId23"/>
-    <p:sldId id="289" r:id="rId24"/>
-    <p:sldId id="290" r:id="rId25"/>
-    <p:sldId id="265" r:id="rId26"/>
-    <p:sldId id="291" r:id="rId27"/>
-    <p:sldId id="266" r:id="rId28"/>
+    <p:sldId id="283" r:id="rId14"/>
+    <p:sldId id="285" r:id="rId15"/>
+    <p:sldId id="293" r:id="rId16"/>
+    <p:sldId id="287" r:id="rId17"/>
+    <p:sldId id="289" r:id="rId18"/>
+    <p:sldId id="265" r:id="rId19"/>
+    <p:sldId id="291" r:id="rId20"/>
+    <p:sldId id="266" r:id="rId21"/>
   </p:sldIdLst>
   <p:sldSz cx="12192000" cy="6858000"/>
   <p:notesSz cx="6858000" cy="9144000"/>
@@ -157,22 +150,15 @@
         <p14:section name="Design, Morph, Annotate, Work Together, Tell Me" id="{B9B51309-D148-4332-87C2-07BE32FBCA3B}">
           <p14:sldIdLst>
             <p14:sldId id="271"/>
-            <p14:sldId id="279"/>
           </p14:sldIdLst>
         </p14:section>
         <p14:section name="Learn More" id="{2CC34DB2-6590-42C0-AD4B-A04C6060184E}">
           <p14:sldIdLst>
-            <p14:sldId id="280"/>
-            <p14:sldId id="281"/>
-            <p14:sldId id="282"/>
             <p14:sldId id="283"/>
-            <p14:sldId id="284"/>
             <p14:sldId id="285"/>
-            <p14:sldId id="286"/>
+            <p14:sldId id="293"/>
             <p14:sldId id="287"/>
-            <p14:sldId id="288"/>
             <p14:sldId id="289"/>
-            <p14:sldId id="290"/>
             <p14:sldId id="265"/>
             <p14:sldId id="291"/>
             <p14:sldId id="266"/>
@@ -269,7 +255,7 @@
           <a:p>
             <a:fld id="{029B42F0-9B6D-4395-A75F-ACAB90CC0824}" type="datetimeFigureOut">
               <a:rPr lang="en-US" smtClean="0"/>
-              <a:t>8/19/2021</a:t>
+              <a:t>8/23/2021</a:t>
             </a:fld>
             <a:endParaRPr lang="en-US"/>
           </a:p>
@@ -1259,7 +1245,7 @@
             <a:fld id="{B61BEF0D-F0BB-DE4B-95CE-6DB70DBA9567}" type="datetimeFigureOut">
               <a:rPr lang="en-US" smtClean="0"/>
               <a:pPr/>
-              <a:t>8/19/2021</a:t>
+              <a:t>8/23/2021</a:t>
             </a:fld>
             <a:endParaRPr lang="en-US" dirty="0"/>
           </a:p>
@@ -1512,7 +1498,7 @@
             <a:fld id="{B61BEF0D-F0BB-DE4B-95CE-6DB70DBA9567}" type="datetimeFigureOut">
               <a:rPr lang="en-US" smtClean="0"/>
               <a:pPr/>
-              <a:t>8/19/2021</a:t>
+              <a:t>8/23/2021</a:t>
             </a:fld>
             <a:endParaRPr lang="en-US" dirty="0"/>
           </a:p>
@@ -1828,7 +1814,7 @@
             <a:fld id="{B61BEF0D-F0BB-DE4B-95CE-6DB70DBA9567}" type="datetimeFigureOut">
               <a:rPr lang="en-US" smtClean="0"/>
               <a:pPr/>
-              <a:t>8/19/2021</a:t>
+              <a:t>8/23/2021</a:t>
             </a:fld>
             <a:endParaRPr lang="en-US" dirty="0"/>
           </a:p>
@@ -2171,7 +2157,7 @@
             <a:fld id="{B61BEF0D-F0BB-DE4B-95CE-6DB70DBA9567}" type="datetimeFigureOut">
               <a:rPr lang="en-US" smtClean="0"/>
               <a:pPr/>
-              <a:t>8/19/2021</a:t>
+              <a:t>8/23/2021</a:t>
             </a:fld>
             <a:endParaRPr lang="en-US" dirty="0"/>
           </a:p>
@@ -2487,7 +2473,7 @@
             <a:fld id="{B61BEF0D-F0BB-DE4B-95CE-6DB70DBA9567}" type="datetimeFigureOut">
               <a:rPr lang="en-US" smtClean="0"/>
               <a:pPr/>
-              <a:t>8/19/2021</a:t>
+              <a:t>8/23/2021</a:t>
             </a:fld>
             <a:endParaRPr lang="en-US" dirty="0"/>
           </a:p>
@@ -2882,7 +2868,7 @@
             <a:fld id="{B61BEF0D-F0BB-DE4B-95CE-6DB70DBA9567}" type="datetimeFigureOut">
               <a:rPr lang="en-US" smtClean="0"/>
               <a:pPr/>
-              <a:t>8/19/2021</a:t>
+              <a:t>8/23/2021</a:t>
             </a:fld>
             <a:endParaRPr lang="en-US" dirty="0"/>
           </a:p>
@@ -3053,7 +3039,7 @@
           <a:p>
             <a:fld id="{55C6B4A9-1611-4792-9094-5F34BCA07E0B}" type="datetimeFigureOut">
               <a:rPr lang="en-US" smtClean="0"/>
-              <a:t>8/19/2021</a:t>
+              <a:t>8/23/2021</a:t>
             </a:fld>
             <a:endParaRPr lang="en-US" dirty="0"/>
           </a:p>
@@ -3234,7 +3220,7 @@
             <a:fld id="{B61BEF0D-F0BB-DE4B-95CE-6DB70DBA9567}" type="datetimeFigureOut">
               <a:rPr lang="en-US" smtClean="0"/>
               <a:pPr/>
-              <a:t>8/19/2021</a:t>
+              <a:t>8/23/2021</a:t>
             </a:fld>
             <a:endParaRPr lang="en-US" dirty="0"/>
           </a:p>
@@ -3636,7 +3622,7 @@
             <a:fld id="{8BEEBAAA-29B5-4AF5-BC5F-7E580C29002D}" type="datetimeFigureOut">
               <a:rPr lang="en-US" smtClean="0"/>
               <a:pPr/>
-              <a:t>8/19/2021</a:t>
+              <a:t>8/23/2021</a:t>
             </a:fld>
             <a:endParaRPr lang="en-US" dirty="0"/>
           </a:p>
@@ -3852,7 +3838,7 @@
             <a:fld id="{B61BEF0D-F0BB-DE4B-95CE-6DB70DBA9567}" type="datetimeFigureOut">
               <a:rPr lang="en-US" smtClean="0"/>
               <a:pPr/>
-              <a:t>8/19/2021</a:t>
+              <a:t>8/23/2021</a:t>
             </a:fld>
             <a:endParaRPr lang="en-US" dirty="0"/>
           </a:p>
@@ -4101,7 +4087,7 @@
             <a:fld id="{B61BEF0D-F0BB-DE4B-95CE-6DB70DBA9567}" type="datetimeFigureOut">
               <a:rPr lang="en-US" smtClean="0"/>
               <a:pPr/>
-              <a:t>8/19/2021</a:t>
+              <a:t>8/23/2021</a:t>
             </a:fld>
             <a:endParaRPr lang="en-US" dirty="0"/>
           </a:p>
@@ -4334,7 +4320,7 @@
           <a:p>
             <a:fld id="{EB712588-04B1-427B-82EE-E8DB90309F08}" type="datetimeFigureOut">
               <a:rPr lang="en-US" smtClean="0"/>
-              <a:t>8/19/2021</a:t>
+              <a:t>8/23/2021</a:t>
             </a:fld>
             <a:endParaRPr lang="en-US" dirty="0"/>
           </a:p>
@@ -4709,7 +4695,7 @@
             <a:fld id="{B61BEF0D-F0BB-DE4B-95CE-6DB70DBA9567}" type="datetimeFigureOut">
               <a:rPr lang="en-US" smtClean="0"/>
               <a:pPr/>
-              <a:t>8/19/2021</a:t>
+              <a:t>8/23/2021</a:t>
             </a:fld>
             <a:endParaRPr lang="en-US" dirty="0"/>
           </a:p>
@@ -4834,7 +4820,7 @@
             <a:fld id="{B61BEF0D-F0BB-DE4B-95CE-6DB70DBA9567}" type="datetimeFigureOut">
               <a:rPr lang="en-US" smtClean="0"/>
               <a:pPr/>
-              <a:t>8/19/2021</a:t>
+              <a:t>8/23/2021</a:t>
             </a:fld>
             <a:endParaRPr lang="en-US" dirty="0"/>
           </a:p>
@@ -4931,7 +4917,7 @@
             <a:fld id="{B61BEF0D-F0BB-DE4B-95CE-6DB70DBA9567}" type="datetimeFigureOut">
               <a:rPr lang="en-US" smtClean="0"/>
               <a:pPr/>
-              <a:t>8/19/2021</a:t>
+              <a:t>8/23/2021</a:t>
             </a:fld>
             <a:endParaRPr lang="en-US" dirty="0"/>
           </a:p>
@@ -5187,7 +5173,7 @@
           <a:p>
             <a:fld id="{42A54C80-263E-416B-A8E0-580EDEADCBDC}" type="datetimeFigureOut">
               <a:rPr lang="en-US" smtClean="0"/>
-              <a:t>8/19/2021</a:t>
+              <a:t>8/23/2021</a:t>
             </a:fld>
             <a:endParaRPr lang="en-US" dirty="0"/>
           </a:p>
@@ -5451,7 +5437,7 @@
             <a:fld id="{B61BEF0D-F0BB-DE4B-95CE-6DB70DBA9567}" type="datetimeFigureOut">
               <a:rPr lang="en-US" smtClean="0"/>
               <a:pPr/>
-              <a:t>8/19/2021</a:t>
+              <a:t>8/23/2021</a:t>
             </a:fld>
             <a:endParaRPr lang="en-US" dirty="0"/>
           </a:p>
@@ -6196,7 +6182,7 @@
             <a:fld id="{B61BEF0D-F0BB-DE4B-95CE-6DB70DBA9567}" type="datetimeFigureOut">
               <a:rPr lang="en-US" smtClean="0"/>
               <a:pPr/>
-              <a:t>8/19/2021</a:t>
+              <a:t>8/23/2021</a:t>
             </a:fld>
             <a:endParaRPr lang="en-US" dirty="0"/>
           </a:p>
@@ -7282,535 +7268,6 @@
 </file>
 
 <file path=ppt/slides/slide13.xml><?xml version="1.0" encoding="utf-8"?>
-<p:sld xmlns:a="http://schemas.openxmlformats.org/drawingml/2006/main" xmlns:r="http://schemas.openxmlformats.org/officeDocument/2006/relationships" xmlns:p="http://schemas.openxmlformats.org/presentationml/2006/main" show="0">
-  <p:cSld>
-    <p:spTree>
-      <p:nvGrpSpPr>
-        <p:cNvPr id="1" name=""/>
-        <p:cNvGrpSpPr/>
-        <p:nvPr/>
-      </p:nvGrpSpPr>
-      <p:grpSpPr>
-        <a:xfrm>
-          <a:off x="0" y="0"/>
-          <a:ext cx="0" cy="0"/>
-          <a:chOff x="0" y="0"/>
-          <a:chExt cx="0" cy="0"/>
-        </a:xfrm>
-      </p:grpSpPr>
-      <p:sp>
-        <p:nvSpPr>
-          <p:cNvPr id="4" name="Title 3"/>
-          <p:cNvSpPr>
-            <a:spLocks noGrp="1"/>
-          </p:cNvSpPr>
-          <p:nvPr>
-            <p:ph type="title"/>
-          </p:nvPr>
-        </p:nvSpPr>
-        <p:spPr>
-          <a:xfrm>
-            <a:off x="1041324" y="431278"/>
-            <a:ext cx="6877119" cy="640080"/>
-          </a:xfrm>
-        </p:spPr>
-        <p:txBody>
-          <a:bodyPr>
-            <a:noAutofit/>
-          </a:bodyPr>
-          <a:lstStyle/>
-          <a:p>
-            <a:r>
-              <a:rPr lang="en-US" sz="4800" b="1" dirty="0">
-                <a:effectLst/>
-                <a:latin typeface="Times New Roman" panose="02020603050405020304" pitchFamily="18" charset="0"/>
-                <a:ea typeface="Times New Roman" panose="02020603050405020304" pitchFamily="18" charset="0"/>
-                <a:cs typeface="Times New Roman" panose="02020603050405020304" pitchFamily="18" charset="0"/>
-              </a:rPr>
-              <a:t>Activity diagrams</a:t>
-            </a:r>
-            <a:endParaRPr lang="en-US" sz="4800" dirty="0">
-              <a:latin typeface="Segoe UI Light" panose="020B0502040204020203" pitchFamily="34" charset="0"/>
-              <a:cs typeface="Segoe UI Light" panose="020B0502040204020203" pitchFamily="34" charset="0"/>
-            </a:endParaRPr>
-          </a:p>
-        </p:txBody>
-      </p:sp>
-      <p:pic>
-        <p:nvPicPr>
-          <p:cNvPr id="2050" name="Picture 2">
-            <a:extLst>
-              <a:ext uri="{FF2B5EF4-FFF2-40B4-BE49-F238E27FC236}">
-                <a16:creationId xmlns:a16="http://schemas.microsoft.com/office/drawing/2014/main" id="{B859A26B-3119-4388-AB36-C1B1878B26E8}"/>
-              </a:ext>
-            </a:extLst>
-          </p:cNvPr>
-          <p:cNvPicPr>
-            <a:picLocks noChangeAspect="1" noChangeArrowheads="1"/>
-          </p:cNvPicPr>
-          <p:nvPr/>
-        </p:nvPicPr>
-        <p:blipFill>
-          <a:blip r:embed="rId2">
-            <a:extLst>
-              <a:ext uri="{28A0092B-C50C-407E-A947-70E740481C1C}">
-                <a14:useLocalDpi xmlns:a14="http://schemas.microsoft.com/office/drawing/2010/main" val="0"/>
-              </a:ext>
-            </a:extLst>
-          </a:blip>
-          <a:srcRect/>
-          <a:stretch>
-            <a:fillRect/>
-          </a:stretch>
-        </p:blipFill>
-        <p:spPr bwMode="auto">
-          <a:xfrm>
-            <a:off x="2945672" y="1258350"/>
-            <a:ext cx="6240273" cy="5276676"/>
-          </a:xfrm>
-          <a:prstGeom prst="rect">
-            <a:avLst/>
-          </a:prstGeom>
-          <a:noFill/>
-          <a:ln>
-            <a:noFill/>
-          </a:ln>
-          <a:extLst>
-            <a:ext uri="{909E8E84-426E-40DD-AFC4-6F175D3DCCD1}">
-              <a14:hiddenFill xmlns:a14="http://schemas.microsoft.com/office/drawing/2010/main">
-                <a:solidFill>
-                  <a:srgbClr val="FFFFFF"/>
-                </a:solidFill>
-              </a14:hiddenFill>
-            </a:ext>
-            <a:ext uri="{91240B29-F687-4F45-9708-019B960494DF}">
-              <a14:hiddenLine xmlns:a14="http://schemas.microsoft.com/office/drawing/2010/main" w="9525">
-                <a:solidFill>
-                  <a:srgbClr val="000000"/>
-                </a:solidFill>
-                <a:miter lim="800000"/>
-                <a:headEnd/>
-                <a:tailEnd/>
-              </a14:hiddenLine>
-            </a:ext>
-          </a:extLst>
-        </p:spPr>
-      </p:pic>
-    </p:spTree>
-    <p:extLst>
-      <p:ext uri="{BB962C8B-B14F-4D97-AF65-F5344CB8AC3E}">
-        <p14:creationId xmlns:p14="http://schemas.microsoft.com/office/powerpoint/2010/main" val="1107001750"/>
-      </p:ext>
-    </p:extLst>
-  </p:cSld>
-  <p:clrMapOvr>
-    <a:masterClrMapping/>
-  </p:clrMapOvr>
-  <mc:AlternateContent xmlns:mc="http://schemas.openxmlformats.org/markup-compatibility/2006" xmlns:p14="http://schemas.microsoft.com/office/powerpoint/2010/main">
-    <mc:Choice Requires="p14">
-      <p:transition p14:dur="10"/>
-    </mc:Choice>
-    <mc:Fallback xmlns="">
-      <p:transition/>
-    </mc:Fallback>
-  </mc:AlternateContent>
-</p:sld>
-</file>
-
-<file path=ppt/slides/slide14.xml><?xml version="1.0" encoding="utf-8"?>
-<p:sld xmlns:a="http://schemas.openxmlformats.org/drawingml/2006/main" xmlns:r="http://schemas.openxmlformats.org/officeDocument/2006/relationships" xmlns:p="http://schemas.openxmlformats.org/presentationml/2006/main">
-  <p:cSld>
-    <p:spTree>
-      <p:nvGrpSpPr>
-        <p:cNvPr id="1" name=""/>
-        <p:cNvGrpSpPr/>
-        <p:nvPr/>
-      </p:nvGrpSpPr>
-      <p:grpSpPr>
-        <a:xfrm>
-          <a:off x="0" y="0"/>
-          <a:ext cx="0" cy="0"/>
-          <a:chOff x="0" y="0"/>
-          <a:chExt cx="0" cy="0"/>
-        </a:xfrm>
-      </p:grpSpPr>
-      <p:sp>
-        <p:nvSpPr>
-          <p:cNvPr id="2" name="Title 1">
-            <a:extLst>
-              <a:ext uri="{FF2B5EF4-FFF2-40B4-BE49-F238E27FC236}">
-                <a16:creationId xmlns:a16="http://schemas.microsoft.com/office/drawing/2014/main" id="{B946B4CF-CA86-4622-AF22-4AA1F5899436}"/>
-              </a:ext>
-            </a:extLst>
-          </p:cNvPr>
-          <p:cNvSpPr>
-            <a:spLocks noGrp="1"/>
-          </p:cNvSpPr>
-          <p:nvPr>
-            <p:ph type="title"/>
-          </p:nvPr>
-        </p:nvSpPr>
-        <p:spPr>
-          <a:xfrm>
-            <a:off x="823211" y="397722"/>
-            <a:ext cx="6877119" cy="640080"/>
-          </a:xfrm>
-        </p:spPr>
-        <p:txBody>
-          <a:bodyPr>
-            <a:noAutofit/>
-          </a:bodyPr>
-          <a:lstStyle/>
-          <a:p>
-            <a:r>
-              <a:rPr lang="en-US" sz="4400" b="1" dirty="0">
-                <a:effectLst/>
-                <a:latin typeface="Times New Roman" panose="02020603050405020304" pitchFamily="18" charset="0"/>
-                <a:ea typeface="Times New Roman" panose="02020603050405020304" pitchFamily="18" charset="0"/>
-                <a:cs typeface="Times New Roman" panose="02020603050405020304" pitchFamily="18" charset="0"/>
-              </a:rPr>
-              <a:t>Activity diagrams</a:t>
-            </a:r>
-            <a:endParaRPr lang="en-US" sz="4400" dirty="0"/>
-          </a:p>
-        </p:txBody>
-      </p:sp>
-      <p:pic>
-        <p:nvPicPr>
-          <p:cNvPr id="1026" name="Picture 2">
-            <a:extLst>
-              <a:ext uri="{FF2B5EF4-FFF2-40B4-BE49-F238E27FC236}">
-                <a16:creationId xmlns:a16="http://schemas.microsoft.com/office/drawing/2014/main" id="{D0959491-88DD-40D5-A6D0-1BD2D85576D4}"/>
-              </a:ext>
-            </a:extLst>
-          </p:cNvPr>
-          <p:cNvPicPr>
-            <a:picLocks noChangeAspect="1" noChangeArrowheads="1"/>
-          </p:cNvPicPr>
-          <p:nvPr/>
-        </p:nvPicPr>
-        <p:blipFill>
-          <a:blip r:embed="rId2">
-            <a:extLst>
-              <a:ext uri="{28A0092B-C50C-407E-A947-70E740481C1C}">
-                <a14:useLocalDpi xmlns:a14="http://schemas.microsoft.com/office/drawing/2010/main" val="0"/>
-              </a:ext>
-            </a:extLst>
-          </a:blip>
-          <a:srcRect/>
-          <a:stretch>
-            <a:fillRect/>
-          </a:stretch>
-        </p:blipFill>
-        <p:spPr bwMode="auto">
-          <a:xfrm>
-            <a:off x="2885813" y="1258350"/>
-            <a:ext cx="5670958" cy="5268285"/>
-          </a:xfrm>
-          <a:prstGeom prst="rect">
-            <a:avLst/>
-          </a:prstGeom>
-          <a:noFill/>
-          <a:ln>
-            <a:noFill/>
-          </a:ln>
-          <a:extLst>
-            <a:ext uri="{909E8E84-426E-40DD-AFC4-6F175D3DCCD1}">
-              <a14:hiddenFill xmlns:a14="http://schemas.microsoft.com/office/drawing/2010/main">
-                <a:solidFill>
-                  <a:srgbClr val="FFFFFF"/>
-                </a:solidFill>
-              </a14:hiddenFill>
-            </a:ext>
-            <a:ext uri="{91240B29-F687-4F45-9708-019B960494DF}">
-              <a14:hiddenLine xmlns:a14="http://schemas.microsoft.com/office/drawing/2010/main" w="9525">
-                <a:solidFill>
-                  <a:srgbClr val="000000"/>
-                </a:solidFill>
-                <a:miter lim="800000"/>
-                <a:headEnd/>
-                <a:tailEnd/>
-              </a14:hiddenLine>
-            </a:ext>
-          </a:extLst>
-        </p:spPr>
-      </p:pic>
-    </p:spTree>
-    <p:extLst>
-      <p:ext uri="{BB962C8B-B14F-4D97-AF65-F5344CB8AC3E}">
-        <p14:creationId xmlns:p14="http://schemas.microsoft.com/office/powerpoint/2010/main" val="3443697648"/>
-      </p:ext>
-    </p:extLst>
-  </p:cSld>
-  <p:clrMapOvr>
-    <a:masterClrMapping/>
-  </p:clrMapOvr>
-</p:sld>
-</file>
-
-<file path=ppt/slides/slide15.xml><?xml version="1.0" encoding="utf-8"?>
-<p:sld xmlns:a="http://schemas.openxmlformats.org/drawingml/2006/main" xmlns:r="http://schemas.openxmlformats.org/officeDocument/2006/relationships" xmlns:p="http://schemas.openxmlformats.org/presentationml/2006/main">
-  <p:cSld>
-    <p:spTree>
-      <p:nvGrpSpPr>
-        <p:cNvPr id="1" name=""/>
-        <p:cNvGrpSpPr/>
-        <p:nvPr/>
-      </p:nvGrpSpPr>
-      <p:grpSpPr>
-        <a:xfrm>
-          <a:off x="0" y="0"/>
-          <a:ext cx="0" cy="0"/>
-          <a:chOff x="0" y="0"/>
-          <a:chExt cx="0" cy="0"/>
-        </a:xfrm>
-      </p:grpSpPr>
-      <p:sp>
-        <p:nvSpPr>
-          <p:cNvPr id="2" name="Title 1">
-            <a:extLst>
-              <a:ext uri="{FF2B5EF4-FFF2-40B4-BE49-F238E27FC236}">
-                <a16:creationId xmlns:a16="http://schemas.microsoft.com/office/drawing/2014/main" id="{A6CE4B0A-671F-42EA-9B89-2779541A103C}"/>
-              </a:ext>
-            </a:extLst>
-          </p:cNvPr>
-          <p:cNvSpPr>
-            <a:spLocks noGrp="1"/>
-          </p:cNvSpPr>
-          <p:nvPr>
-            <p:ph type="title"/>
-          </p:nvPr>
-        </p:nvSpPr>
-        <p:spPr>
-          <a:xfrm>
-            <a:off x="890322" y="414500"/>
-            <a:ext cx="6877119" cy="640080"/>
-          </a:xfrm>
-        </p:spPr>
-        <p:txBody>
-          <a:bodyPr>
-            <a:noAutofit/>
-          </a:bodyPr>
-          <a:lstStyle/>
-          <a:p>
-            <a:r>
-              <a:rPr lang="en-US" sz="4400" b="1" dirty="0">
-                <a:effectLst/>
-                <a:latin typeface="Times New Roman" panose="02020603050405020304" pitchFamily="18" charset="0"/>
-                <a:ea typeface="Times New Roman" panose="02020603050405020304" pitchFamily="18" charset="0"/>
-                <a:cs typeface="Times New Roman" panose="02020603050405020304" pitchFamily="18" charset="0"/>
-              </a:rPr>
-              <a:t>Activity diagrams</a:t>
-            </a:r>
-            <a:endParaRPr lang="en-US" sz="4400" dirty="0"/>
-          </a:p>
-        </p:txBody>
-      </p:sp>
-      <p:pic>
-        <p:nvPicPr>
-          <p:cNvPr id="2050" name="Picture 2">
-            <a:extLst>
-              <a:ext uri="{FF2B5EF4-FFF2-40B4-BE49-F238E27FC236}">
-                <a16:creationId xmlns:a16="http://schemas.microsoft.com/office/drawing/2014/main" id="{05847546-D8A3-4FF7-8C2D-80204E68A259}"/>
-              </a:ext>
-            </a:extLst>
-          </p:cNvPr>
-          <p:cNvPicPr>
-            <a:picLocks noChangeAspect="1" noChangeArrowheads="1"/>
-          </p:cNvPicPr>
-          <p:nvPr/>
-        </p:nvPicPr>
-        <p:blipFill>
-          <a:blip r:embed="rId2">
-            <a:extLst>
-              <a:ext uri="{28A0092B-C50C-407E-A947-70E740481C1C}">
-                <a14:useLocalDpi xmlns:a14="http://schemas.microsoft.com/office/drawing/2010/main" val="0"/>
-              </a:ext>
-            </a:extLst>
-          </a:blip>
-          <a:srcRect/>
-          <a:stretch>
-            <a:fillRect/>
-          </a:stretch>
-        </p:blipFill>
-        <p:spPr bwMode="auto">
-          <a:xfrm>
-            <a:off x="3322040" y="1258349"/>
-            <a:ext cx="5503178" cy="5276675"/>
-          </a:xfrm>
-          <a:prstGeom prst="rect">
-            <a:avLst/>
-          </a:prstGeom>
-          <a:noFill/>
-          <a:ln>
-            <a:noFill/>
-          </a:ln>
-          <a:extLst>
-            <a:ext uri="{909E8E84-426E-40DD-AFC4-6F175D3DCCD1}">
-              <a14:hiddenFill xmlns:a14="http://schemas.microsoft.com/office/drawing/2010/main">
-                <a:solidFill>
-                  <a:srgbClr val="FFFFFF"/>
-                </a:solidFill>
-              </a14:hiddenFill>
-            </a:ext>
-            <a:ext uri="{91240B29-F687-4F45-9708-019B960494DF}">
-              <a14:hiddenLine xmlns:a14="http://schemas.microsoft.com/office/drawing/2010/main" w="9525">
-                <a:solidFill>
-                  <a:srgbClr val="000000"/>
-                </a:solidFill>
-                <a:miter lim="800000"/>
-                <a:headEnd/>
-                <a:tailEnd/>
-              </a14:hiddenLine>
-            </a:ext>
-          </a:extLst>
-        </p:spPr>
-      </p:pic>
-    </p:spTree>
-    <p:extLst>
-      <p:ext uri="{BB962C8B-B14F-4D97-AF65-F5344CB8AC3E}">
-        <p14:creationId xmlns:p14="http://schemas.microsoft.com/office/powerpoint/2010/main" val="2217035798"/>
-      </p:ext>
-    </p:extLst>
-  </p:cSld>
-  <p:clrMapOvr>
-    <a:masterClrMapping/>
-  </p:clrMapOvr>
-</p:sld>
-</file>
-
-<file path=ppt/slides/slide16.xml><?xml version="1.0" encoding="utf-8"?>
-<p:sld xmlns:a="http://schemas.openxmlformats.org/drawingml/2006/main" xmlns:r="http://schemas.openxmlformats.org/officeDocument/2006/relationships" xmlns:p="http://schemas.openxmlformats.org/presentationml/2006/main">
-  <p:cSld>
-    <p:spTree>
-      <p:nvGrpSpPr>
-        <p:cNvPr id="1" name=""/>
-        <p:cNvGrpSpPr/>
-        <p:nvPr/>
-      </p:nvGrpSpPr>
-      <p:grpSpPr>
-        <a:xfrm>
-          <a:off x="0" y="0"/>
-          <a:ext cx="0" cy="0"/>
-          <a:chOff x="0" y="0"/>
-          <a:chExt cx="0" cy="0"/>
-        </a:xfrm>
-      </p:grpSpPr>
-      <p:sp>
-        <p:nvSpPr>
-          <p:cNvPr id="2" name="Title 1">
-            <a:extLst>
-              <a:ext uri="{FF2B5EF4-FFF2-40B4-BE49-F238E27FC236}">
-                <a16:creationId xmlns:a16="http://schemas.microsoft.com/office/drawing/2014/main" id="{51D55062-2DCB-4085-9DE9-81E960C61F8C}"/>
-              </a:ext>
-            </a:extLst>
-          </p:cNvPr>
-          <p:cNvSpPr>
-            <a:spLocks noGrp="1"/>
-          </p:cNvSpPr>
-          <p:nvPr>
-            <p:ph type="title"/>
-          </p:nvPr>
-        </p:nvSpPr>
-        <p:spPr>
-          <a:xfrm>
-            <a:off x="856767" y="380944"/>
-            <a:ext cx="6877119" cy="640080"/>
-          </a:xfrm>
-        </p:spPr>
-        <p:txBody>
-          <a:bodyPr>
-            <a:noAutofit/>
-          </a:bodyPr>
-          <a:lstStyle/>
-          <a:p>
-            <a:r>
-              <a:rPr lang="en-US" sz="4400" b="1" dirty="0">
-                <a:effectLst/>
-                <a:latin typeface="Times New Roman" panose="02020603050405020304" pitchFamily="18" charset="0"/>
-                <a:ea typeface="Times New Roman" panose="02020603050405020304" pitchFamily="18" charset="0"/>
-                <a:cs typeface="Times New Roman" panose="02020603050405020304" pitchFamily="18" charset="0"/>
-              </a:rPr>
-              <a:t>Activity diagrams</a:t>
-            </a:r>
-            <a:endParaRPr lang="en-US" sz="4400" dirty="0"/>
-          </a:p>
-        </p:txBody>
-      </p:sp>
-      <p:pic>
-        <p:nvPicPr>
-          <p:cNvPr id="1026" name="Picture 2">
-            <a:extLst>
-              <a:ext uri="{FF2B5EF4-FFF2-40B4-BE49-F238E27FC236}">
-                <a16:creationId xmlns:a16="http://schemas.microsoft.com/office/drawing/2014/main" id="{70443F10-718F-4100-B31F-A1B1C49CC25C}"/>
-              </a:ext>
-            </a:extLst>
-          </p:cNvPr>
-          <p:cNvPicPr>
-            <a:picLocks noChangeAspect="1" noChangeArrowheads="1"/>
-          </p:cNvPicPr>
-          <p:nvPr/>
-        </p:nvPicPr>
-        <p:blipFill>
-          <a:blip r:embed="rId2">
-            <a:extLst>
-              <a:ext uri="{28A0092B-C50C-407E-A947-70E740481C1C}">
-                <a14:useLocalDpi xmlns:a14="http://schemas.microsoft.com/office/drawing/2010/main" val="0"/>
-              </a:ext>
-            </a:extLst>
-          </a:blip>
-          <a:srcRect/>
-          <a:stretch>
-            <a:fillRect/>
-          </a:stretch>
-        </p:blipFill>
-        <p:spPr bwMode="auto">
-          <a:xfrm>
-            <a:off x="2239861" y="1340359"/>
-            <a:ext cx="7315200" cy="5136697"/>
-          </a:xfrm>
-          <a:prstGeom prst="rect">
-            <a:avLst/>
-          </a:prstGeom>
-          <a:noFill/>
-          <a:ln>
-            <a:noFill/>
-          </a:ln>
-          <a:extLst>
-            <a:ext uri="{909E8E84-426E-40DD-AFC4-6F175D3DCCD1}">
-              <a14:hiddenFill xmlns:a14="http://schemas.microsoft.com/office/drawing/2010/main">
-                <a:solidFill>
-                  <a:srgbClr val="FFFFFF"/>
-                </a:solidFill>
-              </a14:hiddenFill>
-            </a:ext>
-            <a:ext uri="{91240B29-F687-4F45-9708-019B960494DF}">
-              <a14:hiddenLine xmlns:a14="http://schemas.microsoft.com/office/drawing/2010/main" w="9525">
-                <a:solidFill>
-                  <a:srgbClr val="000000"/>
-                </a:solidFill>
-                <a:miter lim="800000"/>
-                <a:headEnd/>
-                <a:tailEnd/>
-              </a14:hiddenLine>
-            </a:ext>
-          </a:extLst>
-        </p:spPr>
-      </p:pic>
-    </p:spTree>
-    <p:extLst>
-      <p:ext uri="{BB962C8B-B14F-4D97-AF65-F5344CB8AC3E}">
-        <p14:creationId xmlns:p14="http://schemas.microsoft.com/office/powerpoint/2010/main" val="3447398251"/>
-      </p:ext>
-    </p:extLst>
-  </p:cSld>
-  <p:clrMapOvr>
-    <a:masterClrMapping/>
-  </p:clrMapOvr>
-</p:sld>
-</file>
-
-<file path=ppt/slides/slide17.xml><?xml version="1.0" encoding="utf-8"?>
 <p:sld xmlns:a="http://schemas.openxmlformats.org/drawingml/2006/main" xmlns:r="http://schemas.openxmlformats.org/officeDocument/2006/relationships" xmlns:p="http://schemas.openxmlformats.org/presentationml/2006/main">
   <p:cSld>
     <p:spTree>
@@ -7941,138 +7398,7 @@
 </p:sld>
 </file>
 
-<file path=ppt/slides/slide18.xml><?xml version="1.0" encoding="utf-8"?>
-<p:sld xmlns:a="http://schemas.openxmlformats.org/drawingml/2006/main" xmlns:r="http://schemas.openxmlformats.org/officeDocument/2006/relationships" xmlns:p="http://schemas.openxmlformats.org/presentationml/2006/main">
-  <p:cSld>
-    <p:spTree>
-      <p:nvGrpSpPr>
-        <p:cNvPr id="1" name=""/>
-        <p:cNvGrpSpPr/>
-        <p:nvPr/>
-      </p:nvGrpSpPr>
-      <p:grpSpPr>
-        <a:xfrm>
-          <a:off x="0" y="0"/>
-          <a:ext cx="0" cy="0"/>
-          <a:chOff x="0" y="0"/>
-          <a:chExt cx="0" cy="0"/>
-        </a:xfrm>
-      </p:grpSpPr>
-      <p:sp>
-        <p:nvSpPr>
-          <p:cNvPr id="2" name="Title 1">
-            <a:extLst>
-              <a:ext uri="{FF2B5EF4-FFF2-40B4-BE49-F238E27FC236}">
-                <a16:creationId xmlns:a16="http://schemas.microsoft.com/office/drawing/2014/main" id="{B02FDA96-7272-4C94-A6CE-E269C7F37F7C}"/>
-              </a:ext>
-            </a:extLst>
-          </p:cNvPr>
-          <p:cNvSpPr>
-            <a:spLocks noGrp="1"/>
-          </p:cNvSpPr>
-          <p:nvPr>
-            <p:ph type="title"/>
-          </p:nvPr>
-        </p:nvSpPr>
-        <p:spPr>
-          <a:xfrm>
-            <a:off x="781266" y="389333"/>
-            <a:ext cx="6877119" cy="640080"/>
-          </a:xfrm>
-        </p:spPr>
-        <p:txBody>
-          <a:bodyPr>
-            <a:noAutofit/>
-          </a:bodyPr>
-          <a:lstStyle/>
-          <a:p>
-            <a:r>
-              <a:rPr lang="en-US" sz="4400" b="1" dirty="0">
-                <a:effectLst/>
-                <a:latin typeface="Times New Roman" panose="02020603050405020304" pitchFamily="18" charset="0"/>
-                <a:ea typeface="Times New Roman" panose="02020603050405020304" pitchFamily="18" charset="0"/>
-                <a:cs typeface="Times New Roman" panose="02020603050405020304" pitchFamily="18" charset="0"/>
-              </a:rPr>
-              <a:t>Sequence diagrams.</a:t>
-            </a:r>
-            <a:endParaRPr lang="en-US" sz="4400" dirty="0"/>
-          </a:p>
-        </p:txBody>
-      </p:sp>
-      <p:pic>
-        <p:nvPicPr>
-          <p:cNvPr id="1026" name="Picture 1">
-            <a:extLst>
-              <a:ext uri="{FF2B5EF4-FFF2-40B4-BE49-F238E27FC236}">
-                <a16:creationId xmlns:a16="http://schemas.microsoft.com/office/drawing/2014/main" id="{4010CA4B-B442-4EE0-AE5A-03BCB35C20C7}"/>
-              </a:ext>
-            </a:extLst>
-          </p:cNvPr>
-          <p:cNvPicPr>
-            <a:picLocks noChangeAspect="1" noChangeArrowheads="1"/>
-          </p:cNvPicPr>
-          <p:nvPr/>
-        </p:nvPicPr>
-        <p:blipFill>
-          <a:blip r:embed="rId2">
-            <a:extLst>
-              <a:ext uri="{28A0092B-C50C-407E-A947-70E740481C1C}">
-                <a14:useLocalDpi xmlns:a14="http://schemas.microsoft.com/office/drawing/2010/main" val="0"/>
-              </a:ext>
-            </a:extLst>
-          </a:blip>
-          <a:srcRect/>
-          <a:stretch>
-            <a:fillRect/>
-          </a:stretch>
-        </p:blipFill>
-        <p:spPr bwMode="auto">
-          <a:xfrm>
-            <a:off x="2513071" y="1331332"/>
-            <a:ext cx="6638925" cy="5078611"/>
-          </a:xfrm>
-          <a:prstGeom prst="rect">
-            <a:avLst/>
-          </a:prstGeom>
-          <a:noFill/>
-          <a:ln>
-            <a:noFill/>
-          </a:ln>
-          <a:extLst>
-            <a:ext uri="{909E8E84-426E-40DD-AFC4-6F175D3DCCD1}">
-              <a14:hiddenFill xmlns:a14="http://schemas.microsoft.com/office/drawing/2010/main">
-                <a:solidFill>
-                  <a:srgbClr val="FFFFFF"/>
-                </a:solidFill>
-              </a14:hiddenFill>
-            </a:ext>
-            <a:ext uri="{91240B29-F687-4F45-9708-019B960494DF}">
-              <a14:hiddenLine xmlns:a14="http://schemas.microsoft.com/office/drawing/2010/main" w="9525">
-                <a:solidFill>
-                  <a:srgbClr val="000000"/>
-                </a:solidFill>
-                <a:miter lim="800000"/>
-                <a:headEnd/>
-                <a:tailEnd/>
-              </a14:hiddenLine>
-            </a:ext>
-          </a:extLst>
-        </p:spPr>
-      </p:pic>
-    </p:spTree>
-    <p:extLst>
-      <p:ext uri="{BB962C8B-B14F-4D97-AF65-F5344CB8AC3E}">
-        <p14:creationId xmlns:p14="http://schemas.microsoft.com/office/powerpoint/2010/main" val="405624545"/>
-      </p:ext>
-    </p:extLst>
-  </p:cSld>
-  <p:clrMapOvr>
-    <a:masterClrMapping/>
-  </p:clrMapOvr>
-</p:sld>
-</file>
-
-<file path=ppt/slides/slide19.xml><?xml version="1.0" encoding="utf-8"?>
+<file path=ppt/slides/slide14.xml><?xml version="1.0" encoding="utf-8"?>
 <p:sld xmlns:a="http://schemas.openxmlformats.org/drawingml/2006/main" xmlns:r="http://schemas.openxmlformats.org/officeDocument/2006/relationships" xmlns:p="http://schemas.openxmlformats.org/presentationml/2006/main">
   <p:cSld>
     <p:spTree>
@@ -8203,7 +7529,7 @@
 </p:sld>
 </file>
 
-<file path=ppt/slides/slide2.xml><?xml version="1.0" encoding="utf-8"?>
+<file path=ppt/slides/slide15.xml><?xml version="1.0" encoding="utf-8"?>
 <p:sld xmlns:a="http://schemas.openxmlformats.org/drawingml/2006/main" xmlns:r="http://schemas.openxmlformats.org/officeDocument/2006/relationships" xmlns:p="http://schemas.openxmlformats.org/presentationml/2006/main">
   <p:cSld>
     <p:spTree>
@@ -8222,88 +7548,73 @@
       </p:grpSpPr>
       <p:sp>
         <p:nvSpPr>
-          <p:cNvPr id="2" name="Title 1"/>
+          <p:cNvPr id="2" name="Title 1">
+            <a:extLst>
+              <a:ext uri="{FF2B5EF4-FFF2-40B4-BE49-F238E27FC236}">
+                <a16:creationId xmlns:a16="http://schemas.microsoft.com/office/drawing/2014/main" id="{B02FDA96-7272-4C94-A6CE-E269C7F37F7C}"/>
+              </a:ext>
+            </a:extLst>
+          </p:cNvPr>
           <p:cNvSpPr>
             <a:spLocks noGrp="1"/>
           </p:cNvSpPr>
           <p:nvPr>
             <p:ph type="title"/>
-          </p:nvPr>
-        </p:nvSpPr>
-        <p:spPr/>
-        <p:txBody>
-          <a:bodyPr/>
-          <a:lstStyle/>
-          <a:p>
-            <a:r>
-              <a:rPr lang="en-US" dirty="0"/>
-              <a:t>Phần mềm web việc làm sinh viên</a:t>
-            </a:r>
-          </a:p>
-        </p:txBody>
-      </p:sp>
-      <p:sp>
-        <p:nvSpPr>
-          <p:cNvPr id="3" name="Content Placeholder 2"/>
-          <p:cNvSpPr>
-            <a:spLocks noGrp="1"/>
-          </p:cNvSpPr>
-          <p:nvPr>
-            <p:ph idx="1"/>
           </p:nvPr>
         </p:nvSpPr>
         <p:spPr>
           <a:xfrm>
-            <a:off x="677334" y="1577114"/>
-            <a:ext cx="8596668" cy="4693057"/>
+            <a:off x="781266" y="389333"/>
+            <a:ext cx="6877119" cy="640080"/>
           </a:xfrm>
         </p:spPr>
         <p:txBody>
-          <a:bodyPr/>
+          <a:bodyPr>
+            <a:noAutofit/>
+          </a:bodyPr>
           <a:lstStyle/>
           <a:p>
             <a:r>
-              <a:rPr lang="en-US" dirty="0"/>
-              <a:t>Mô tả dự án:</a:t>
-            </a:r>
-          </a:p>
-          <a:p>
-            <a:pPr marL="0" indent="0">
-              <a:buNone/>
-            </a:pPr>
-            <a:r>
-              <a:rPr lang="en-US" dirty="0"/>
-              <a:t>	</a:t>
-            </a:r>
-            <a:r>
-              <a:rPr lang="vi-VN" dirty="0"/>
-              <a:t>Hiện tại, sinh viên đang có nhu cầu khá cao về những công việc part-time và các công việc loại này trên thị trường cũng khá nhiều. Phần lớn, sinh viên nhận 1 việc làm thông qua phương tiện truyền thông như facebook, zalo hoặc đơn giản từ sự giới thiệu của bạn bè. Nhưng các kênh này có nhiều hạn chế như một số bạn không tìm được công việc, hoặc công việc không như mong muốn, các kênh thông tin chưa đầy đủ và mất thời gian để tìm hiểu, nhà tuyển dụng không tìm được nhân viên và chưa có một kênh chính thức nào cho việc làm part-time.</a:t>
-            </a:r>
-            <a:r>
-              <a:rPr lang="en-US" dirty="0"/>
-              <a:t> </a:t>
-            </a:r>
-          </a:p>
-          <a:p>
-            <a:pPr marL="0" indent="0">
-              <a:buNone/>
-            </a:pPr>
-            <a:r>
-              <a:rPr lang="en-US" dirty="0"/>
-              <a:t>	</a:t>
-            </a:r>
-            <a:r>
-              <a:rPr lang="vi-VN" dirty="0"/>
-              <a:t>Để giải quyết nhu cầu này, cần phải có một kênh chính thức về việc làm cho sinh viên. Mục tiêu đưa càng nhiều càng tốt những việc làm part-time vào cùng một kênh cùng thông tin đầy đủ cho các việc làm để giúp sinh viên dễ dàng hơn trong việc chọn lựa công việc phù hợp, tiết kiệm thời gian cho cả sinh viên lẫn nhà tuyển dụng. Lấy nền tảng web để thực hiện vì vậy bài toán có thể giải quyết việc làm cho sinh viên ở nhiều khu vực khác nhau.</a:t>
-            </a:r>
-            <a:endParaRPr lang="en-US" dirty="0"/>
-          </a:p>
-        </p:txBody>
-      </p:sp>
+              <a:rPr lang="en-US" sz="4400" b="1" dirty="0">
+                <a:effectLst/>
+                <a:latin typeface="Times New Roman" panose="02020603050405020304" pitchFamily="18" charset="0"/>
+                <a:ea typeface="Times New Roman" panose="02020603050405020304" pitchFamily="18" charset="0"/>
+                <a:cs typeface="Times New Roman" panose="02020603050405020304" pitchFamily="18" charset="0"/>
+              </a:rPr>
+              <a:t>Sequence diagrams.</a:t>
+            </a:r>
+            <a:endParaRPr lang="en-US" sz="4400" dirty="0"/>
+          </a:p>
+        </p:txBody>
+      </p:sp>
+      <p:pic>
+        <p:nvPicPr>
+          <p:cNvPr id="3" name="Picture 2"/>
+          <p:cNvPicPr>
+            <a:picLocks noChangeAspect="1"/>
+          </p:cNvPicPr>
+          <p:nvPr/>
+        </p:nvPicPr>
+        <p:blipFill>
+          <a:blip r:embed="rId2"/>
+          <a:stretch>
+            <a:fillRect/>
+          </a:stretch>
+        </p:blipFill>
+        <p:spPr>
+          <a:xfrm>
+            <a:off x="1967321" y="1490255"/>
+            <a:ext cx="7943850" cy="4800600"/>
+          </a:xfrm>
+          <a:prstGeom prst="rect">
+            <a:avLst/>
+          </a:prstGeom>
+        </p:spPr>
+      </p:pic>
     </p:spTree>
     <p:extLst>
       <p:ext uri="{BB962C8B-B14F-4D97-AF65-F5344CB8AC3E}">
-        <p14:creationId xmlns:p14="http://schemas.microsoft.com/office/powerpoint/2010/main" val="1258916621"/>
+        <p14:creationId xmlns:p14="http://schemas.microsoft.com/office/powerpoint/2010/main" val="457798068"/>
       </p:ext>
     </p:extLst>
   </p:cSld>
@@ -8313,7 +7624,7 @@
 </p:sld>
 </file>
 
-<file path=ppt/slides/slide20.xml><?xml version="1.0" encoding="utf-8"?>
+<file path=ppt/slides/slide16.xml><?xml version="1.0" encoding="utf-8"?>
 <p:sld xmlns:a="http://schemas.openxmlformats.org/drawingml/2006/main" xmlns:r="http://schemas.openxmlformats.org/officeDocument/2006/relationships" xmlns:p="http://schemas.openxmlformats.org/presentationml/2006/main">
   <p:cSld>
     <p:spTree>
@@ -8373,13 +7684,7 @@
       </p:sp>
       <p:pic>
         <p:nvPicPr>
-          <p:cNvPr id="5" name="Picture 4">
-            <a:extLst>
-              <a:ext uri="{FF2B5EF4-FFF2-40B4-BE49-F238E27FC236}">
-                <a16:creationId xmlns:a16="http://schemas.microsoft.com/office/drawing/2014/main" id="{0D765C82-2D92-422C-9E38-4FD72C2FFF76}"/>
-              </a:ext>
-            </a:extLst>
-          </p:cNvPr>
+          <p:cNvPr id="3" name="Picture 2"/>
           <p:cNvPicPr>
             <a:picLocks noChangeAspect="1"/>
           </p:cNvPicPr>
@@ -8393,109 +7698,8 @@
         </p:blipFill>
         <p:spPr>
           <a:xfrm>
-            <a:off x="2843868" y="1303680"/>
-            <a:ext cx="6006517" cy="5089486"/>
-          </a:xfrm>
-          <a:prstGeom prst="rect">
-            <a:avLst/>
-          </a:prstGeom>
-        </p:spPr>
-      </p:pic>
-    </p:spTree>
-    <p:extLst>
-      <p:ext uri="{BB962C8B-B14F-4D97-AF65-F5344CB8AC3E}">
-        <p14:creationId xmlns:p14="http://schemas.microsoft.com/office/powerpoint/2010/main" val="2640986291"/>
-      </p:ext>
-    </p:extLst>
-  </p:cSld>
-  <p:clrMapOvr>
-    <a:masterClrMapping/>
-  </p:clrMapOvr>
-</p:sld>
-</file>
-
-<file path=ppt/slides/slide21.xml><?xml version="1.0" encoding="utf-8"?>
-<p:sld xmlns:a="http://schemas.openxmlformats.org/drawingml/2006/main" xmlns:r="http://schemas.openxmlformats.org/officeDocument/2006/relationships" xmlns:p="http://schemas.openxmlformats.org/presentationml/2006/main">
-  <p:cSld>
-    <p:spTree>
-      <p:nvGrpSpPr>
-        <p:cNvPr id="1" name=""/>
-        <p:cNvGrpSpPr/>
-        <p:nvPr/>
-      </p:nvGrpSpPr>
-      <p:grpSpPr>
-        <a:xfrm>
-          <a:off x="0" y="0"/>
-          <a:ext cx="0" cy="0"/>
-          <a:chOff x="0" y="0"/>
-          <a:chExt cx="0" cy="0"/>
-        </a:xfrm>
-      </p:grpSpPr>
-      <p:sp>
-        <p:nvSpPr>
-          <p:cNvPr id="2" name="Title 1">
-            <a:extLst>
-              <a:ext uri="{FF2B5EF4-FFF2-40B4-BE49-F238E27FC236}">
-                <a16:creationId xmlns:a16="http://schemas.microsoft.com/office/drawing/2014/main" id="{B02FDA96-7272-4C94-A6CE-E269C7F37F7C}"/>
-              </a:ext>
-            </a:extLst>
-          </p:cNvPr>
-          <p:cNvSpPr>
-            <a:spLocks noGrp="1"/>
-          </p:cNvSpPr>
-          <p:nvPr>
-            <p:ph type="title"/>
-          </p:nvPr>
-        </p:nvSpPr>
-        <p:spPr>
-          <a:xfrm>
-            <a:off x="781266" y="389333"/>
-            <a:ext cx="6877119" cy="640080"/>
-          </a:xfrm>
-        </p:spPr>
-        <p:txBody>
-          <a:bodyPr>
-            <a:noAutofit/>
-          </a:bodyPr>
-          <a:lstStyle/>
-          <a:p>
-            <a:r>
-              <a:rPr lang="en-US" sz="4400" b="1" dirty="0">
-                <a:effectLst/>
-                <a:latin typeface="Times New Roman" panose="02020603050405020304" pitchFamily="18" charset="0"/>
-                <a:ea typeface="Times New Roman" panose="02020603050405020304" pitchFamily="18" charset="0"/>
-                <a:cs typeface="Times New Roman" panose="02020603050405020304" pitchFamily="18" charset="0"/>
-              </a:rPr>
-              <a:t>Sequence diagrams.</a:t>
-            </a:r>
-            <a:endParaRPr lang="en-US" sz="4400" dirty="0"/>
-          </a:p>
-        </p:txBody>
-      </p:sp>
-      <p:pic>
-        <p:nvPicPr>
-          <p:cNvPr id="4" name="Picture 3">
-            <a:extLst>
-              <a:ext uri="{FF2B5EF4-FFF2-40B4-BE49-F238E27FC236}">
-                <a16:creationId xmlns:a16="http://schemas.microsoft.com/office/drawing/2014/main" id="{84E0E923-C6BF-467A-97C3-0558877378F7}"/>
-              </a:ext>
-            </a:extLst>
-          </p:cNvPr>
-          <p:cNvPicPr>
-            <a:picLocks noChangeAspect="1"/>
-          </p:cNvPicPr>
-          <p:nvPr/>
-        </p:nvPicPr>
-        <p:blipFill>
-          <a:blip r:embed="rId2"/>
-          <a:stretch>
-            <a:fillRect/>
-          </a:stretch>
-        </p:blipFill>
-        <p:spPr>
-          <a:xfrm>
-            <a:off x="2441197" y="1437783"/>
-            <a:ext cx="7432646" cy="4493233"/>
+            <a:off x="1850315" y="1655497"/>
+            <a:ext cx="8248650" cy="4371975"/>
           </a:xfrm>
           <a:prstGeom prst="rect">
             <a:avLst/>
@@ -8515,108 +7719,7 @@
 </p:sld>
 </file>
 
-<file path=ppt/slides/slide22.xml><?xml version="1.0" encoding="utf-8"?>
-<p:sld xmlns:a="http://schemas.openxmlformats.org/drawingml/2006/main" xmlns:r="http://schemas.openxmlformats.org/officeDocument/2006/relationships" xmlns:p="http://schemas.openxmlformats.org/presentationml/2006/main">
-  <p:cSld>
-    <p:spTree>
-      <p:nvGrpSpPr>
-        <p:cNvPr id="1" name=""/>
-        <p:cNvGrpSpPr/>
-        <p:nvPr/>
-      </p:nvGrpSpPr>
-      <p:grpSpPr>
-        <a:xfrm>
-          <a:off x="0" y="0"/>
-          <a:ext cx="0" cy="0"/>
-          <a:chOff x="0" y="0"/>
-          <a:chExt cx="0" cy="0"/>
-        </a:xfrm>
-      </p:grpSpPr>
-      <p:sp>
-        <p:nvSpPr>
-          <p:cNvPr id="2" name="Title 1">
-            <a:extLst>
-              <a:ext uri="{FF2B5EF4-FFF2-40B4-BE49-F238E27FC236}">
-                <a16:creationId xmlns:a16="http://schemas.microsoft.com/office/drawing/2014/main" id="{B02FDA96-7272-4C94-A6CE-E269C7F37F7C}"/>
-              </a:ext>
-            </a:extLst>
-          </p:cNvPr>
-          <p:cNvSpPr>
-            <a:spLocks noGrp="1"/>
-          </p:cNvSpPr>
-          <p:nvPr>
-            <p:ph type="title"/>
-          </p:nvPr>
-        </p:nvSpPr>
-        <p:spPr>
-          <a:xfrm>
-            <a:off x="781266" y="389333"/>
-            <a:ext cx="6877119" cy="640080"/>
-          </a:xfrm>
-        </p:spPr>
-        <p:txBody>
-          <a:bodyPr>
-            <a:noAutofit/>
-          </a:bodyPr>
-          <a:lstStyle/>
-          <a:p>
-            <a:r>
-              <a:rPr lang="en-US" sz="4400" b="1" dirty="0">
-                <a:effectLst/>
-                <a:latin typeface="Times New Roman" panose="02020603050405020304" pitchFamily="18" charset="0"/>
-                <a:ea typeface="Times New Roman" panose="02020603050405020304" pitchFamily="18" charset="0"/>
-                <a:cs typeface="Times New Roman" panose="02020603050405020304" pitchFamily="18" charset="0"/>
-              </a:rPr>
-              <a:t>Sequence diagrams.</a:t>
-            </a:r>
-            <a:endParaRPr lang="en-US" sz="4400" dirty="0"/>
-          </a:p>
-        </p:txBody>
-      </p:sp>
-      <p:pic>
-        <p:nvPicPr>
-          <p:cNvPr id="4" name="Picture 3">
-            <a:extLst>
-              <a:ext uri="{FF2B5EF4-FFF2-40B4-BE49-F238E27FC236}">
-                <a16:creationId xmlns:a16="http://schemas.microsoft.com/office/drawing/2014/main" id="{3018A969-5205-4148-A281-5174303C297A}"/>
-              </a:ext>
-            </a:extLst>
-          </p:cNvPr>
-          <p:cNvPicPr>
-            <a:picLocks noChangeAspect="1"/>
-          </p:cNvPicPr>
-          <p:nvPr/>
-        </p:nvPicPr>
-        <p:blipFill>
-          <a:blip r:embed="rId2"/>
-          <a:stretch>
-            <a:fillRect/>
-          </a:stretch>
-        </p:blipFill>
-        <p:spPr>
-          <a:xfrm>
-            <a:off x="3540154" y="1348138"/>
-            <a:ext cx="4832059" cy="4985550"/>
-          </a:xfrm>
-          <a:prstGeom prst="rect">
-            <a:avLst/>
-          </a:prstGeom>
-        </p:spPr>
-      </p:pic>
-    </p:spTree>
-    <p:extLst>
-      <p:ext uri="{BB962C8B-B14F-4D97-AF65-F5344CB8AC3E}">
-        <p14:creationId xmlns:p14="http://schemas.microsoft.com/office/powerpoint/2010/main" val="2906079122"/>
-      </p:ext>
-    </p:extLst>
-  </p:cSld>
-  <p:clrMapOvr>
-    <a:masterClrMapping/>
-  </p:clrMapOvr>
-</p:sld>
-</file>
-
-<file path=ppt/slides/slide23.xml><?xml version="1.0" encoding="utf-8"?>
+<file path=ppt/slides/slide17.xml><?xml version="1.0" encoding="utf-8"?>
 <p:sld xmlns:a="http://schemas.openxmlformats.org/drawingml/2006/main" xmlns:r="http://schemas.openxmlformats.org/officeDocument/2006/relationships" xmlns:p="http://schemas.openxmlformats.org/presentationml/2006/main">
   <p:cSld>
     <p:spTree>
@@ -8717,108 +7820,7 @@
 </p:sld>
 </file>
 
-<file path=ppt/slides/slide24.xml><?xml version="1.0" encoding="utf-8"?>
-<p:sld xmlns:a="http://schemas.openxmlformats.org/drawingml/2006/main" xmlns:r="http://schemas.openxmlformats.org/officeDocument/2006/relationships" xmlns:p="http://schemas.openxmlformats.org/presentationml/2006/main">
-  <p:cSld>
-    <p:spTree>
-      <p:nvGrpSpPr>
-        <p:cNvPr id="1" name=""/>
-        <p:cNvGrpSpPr/>
-        <p:nvPr/>
-      </p:nvGrpSpPr>
-      <p:grpSpPr>
-        <a:xfrm>
-          <a:off x="0" y="0"/>
-          <a:ext cx="0" cy="0"/>
-          <a:chOff x="0" y="0"/>
-          <a:chExt cx="0" cy="0"/>
-        </a:xfrm>
-      </p:grpSpPr>
-      <p:sp>
-        <p:nvSpPr>
-          <p:cNvPr id="2" name="Title 1">
-            <a:extLst>
-              <a:ext uri="{FF2B5EF4-FFF2-40B4-BE49-F238E27FC236}">
-                <a16:creationId xmlns:a16="http://schemas.microsoft.com/office/drawing/2014/main" id="{B02FDA96-7272-4C94-A6CE-E269C7F37F7C}"/>
-              </a:ext>
-            </a:extLst>
-          </p:cNvPr>
-          <p:cNvSpPr>
-            <a:spLocks noGrp="1"/>
-          </p:cNvSpPr>
-          <p:nvPr>
-            <p:ph type="title"/>
-          </p:nvPr>
-        </p:nvSpPr>
-        <p:spPr>
-          <a:xfrm>
-            <a:off x="781266" y="389333"/>
-            <a:ext cx="6877119" cy="640080"/>
-          </a:xfrm>
-        </p:spPr>
-        <p:txBody>
-          <a:bodyPr>
-            <a:noAutofit/>
-          </a:bodyPr>
-          <a:lstStyle/>
-          <a:p>
-            <a:r>
-              <a:rPr lang="en-US" sz="4400" b="1" dirty="0">
-                <a:effectLst/>
-                <a:latin typeface="Times New Roman" panose="02020603050405020304" pitchFamily="18" charset="0"/>
-                <a:ea typeface="Times New Roman" panose="02020603050405020304" pitchFamily="18" charset="0"/>
-                <a:cs typeface="Times New Roman" panose="02020603050405020304" pitchFamily="18" charset="0"/>
-              </a:rPr>
-              <a:t>Sequence diagrams.</a:t>
-            </a:r>
-            <a:endParaRPr lang="en-US" sz="4400" dirty="0"/>
-          </a:p>
-        </p:txBody>
-      </p:sp>
-      <p:pic>
-        <p:nvPicPr>
-          <p:cNvPr id="4" name="Picture 3">
-            <a:extLst>
-              <a:ext uri="{FF2B5EF4-FFF2-40B4-BE49-F238E27FC236}">
-                <a16:creationId xmlns:a16="http://schemas.microsoft.com/office/drawing/2014/main" id="{5F7A42F4-03BA-4930-962F-753FF75448A0}"/>
-              </a:ext>
-            </a:extLst>
-          </p:cNvPr>
-          <p:cNvPicPr>
-            <a:picLocks noChangeAspect="1"/>
-          </p:cNvPicPr>
-          <p:nvPr/>
-        </p:nvPicPr>
-        <p:blipFill>
-          <a:blip r:embed="rId2"/>
-          <a:stretch>
-            <a:fillRect/>
-          </a:stretch>
-        </p:blipFill>
-        <p:spPr>
-          <a:xfrm>
-            <a:off x="3347208" y="1320627"/>
-            <a:ext cx="4974672" cy="5148039"/>
-          </a:xfrm>
-          <a:prstGeom prst="rect">
-            <a:avLst/>
-          </a:prstGeom>
-        </p:spPr>
-      </p:pic>
-    </p:spTree>
-    <p:extLst>
-      <p:ext uri="{BB962C8B-B14F-4D97-AF65-F5344CB8AC3E}">
-        <p14:creationId xmlns:p14="http://schemas.microsoft.com/office/powerpoint/2010/main" val="180412315"/>
-      </p:ext>
-    </p:extLst>
-  </p:cSld>
-  <p:clrMapOvr>
-    <a:masterClrMapping/>
-  </p:clrMapOvr>
-</p:sld>
-</file>
-
-<file path=ppt/slides/slide25.xml><?xml version="1.0" encoding="utf-8"?>
+<file path=ppt/slides/slide18.xml><?xml version="1.0" encoding="utf-8"?>
 <p:sld xmlns:a="http://schemas.openxmlformats.org/drawingml/2006/main" xmlns:r="http://schemas.openxmlformats.org/officeDocument/2006/relationships" xmlns:p="http://schemas.openxmlformats.org/presentationml/2006/main">
   <p:cSld>
     <p:spTree>
@@ -8908,7 +7910,7 @@
 </p:sld>
 </file>
 
-<file path=ppt/slides/slide26.xml><?xml version="1.0" encoding="utf-8"?>
+<file path=ppt/slides/slide19.xml><?xml version="1.0" encoding="utf-8"?>
 <p:sld xmlns:a="http://schemas.openxmlformats.org/drawingml/2006/main" xmlns:r="http://schemas.openxmlformats.org/officeDocument/2006/relationships" xmlns:p="http://schemas.openxmlformats.org/presentationml/2006/main">
   <p:cSld>
     <p:spTree>
@@ -9003,7 +8005,117 @@
 </p:sld>
 </file>
 
-<file path=ppt/slides/slide27.xml><?xml version="1.0" encoding="utf-8"?>
+<file path=ppt/slides/slide2.xml><?xml version="1.0" encoding="utf-8"?>
+<p:sld xmlns:a="http://schemas.openxmlformats.org/drawingml/2006/main" xmlns:r="http://schemas.openxmlformats.org/officeDocument/2006/relationships" xmlns:p="http://schemas.openxmlformats.org/presentationml/2006/main">
+  <p:cSld>
+    <p:spTree>
+      <p:nvGrpSpPr>
+        <p:cNvPr id="1" name=""/>
+        <p:cNvGrpSpPr/>
+        <p:nvPr/>
+      </p:nvGrpSpPr>
+      <p:grpSpPr>
+        <a:xfrm>
+          <a:off x="0" y="0"/>
+          <a:ext cx="0" cy="0"/>
+          <a:chOff x="0" y="0"/>
+          <a:chExt cx="0" cy="0"/>
+        </a:xfrm>
+      </p:grpSpPr>
+      <p:sp>
+        <p:nvSpPr>
+          <p:cNvPr id="2" name="Title 1"/>
+          <p:cNvSpPr>
+            <a:spLocks noGrp="1"/>
+          </p:cNvSpPr>
+          <p:nvPr>
+            <p:ph type="title"/>
+          </p:nvPr>
+        </p:nvSpPr>
+        <p:spPr/>
+        <p:txBody>
+          <a:bodyPr/>
+          <a:lstStyle/>
+          <a:p>
+            <a:r>
+              <a:rPr lang="en-US" dirty="0"/>
+              <a:t>Phần mềm web việc làm sinh viên</a:t>
+            </a:r>
+          </a:p>
+        </p:txBody>
+      </p:sp>
+      <p:sp>
+        <p:nvSpPr>
+          <p:cNvPr id="3" name="Content Placeholder 2"/>
+          <p:cNvSpPr>
+            <a:spLocks noGrp="1"/>
+          </p:cNvSpPr>
+          <p:nvPr>
+            <p:ph idx="1"/>
+          </p:nvPr>
+        </p:nvSpPr>
+        <p:spPr>
+          <a:xfrm>
+            <a:off x="677334" y="1577114"/>
+            <a:ext cx="8596668" cy="4693057"/>
+          </a:xfrm>
+        </p:spPr>
+        <p:txBody>
+          <a:bodyPr/>
+          <a:lstStyle/>
+          <a:p>
+            <a:r>
+              <a:rPr lang="en-US" dirty="0"/>
+              <a:t>Mô tả dự án:</a:t>
+            </a:r>
+          </a:p>
+          <a:p>
+            <a:pPr marL="0" indent="0">
+              <a:buNone/>
+            </a:pPr>
+            <a:r>
+              <a:rPr lang="en-US" dirty="0"/>
+              <a:t>	</a:t>
+            </a:r>
+            <a:r>
+              <a:rPr lang="vi-VN" dirty="0"/>
+              <a:t>Hiện tại, sinh viên đang có nhu cầu khá cao về những công việc part-time và các công việc loại này trên thị trường cũng khá nhiều. Phần lớn, sinh viên nhận 1 việc làm thông qua phương tiện truyền thông như facebook, zalo hoặc đơn giản từ sự giới thiệu của bạn bè. Nhưng các kênh này có nhiều hạn chế như một số bạn không tìm được công việc, hoặc công việc không như mong muốn, các kênh thông tin chưa đầy đủ và mất thời gian để tìm hiểu, nhà tuyển dụng không tìm được nhân viên và chưa có một kênh chính thức nào cho việc làm part-time.</a:t>
+            </a:r>
+            <a:r>
+              <a:rPr lang="en-US" dirty="0"/>
+              <a:t> </a:t>
+            </a:r>
+          </a:p>
+          <a:p>
+            <a:pPr marL="0" indent="0">
+              <a:buNone/>
+            </a:pPr>
+            <a:r>
+              <a:rPr lang="en-US" dirty="0"/>
+              <a:t>	</a:t>
+            </a:r>
+            <a:r>
+              <a:rPr lang="vi-VN" dirty="0"/>
+              <a:t>Để giải quyết nhu cầu này, cần phải có một kênh chính thức về việc làm cho sinh viên. Mục tiêu đưa càng nhiều càng tốt những việc làm part-time vào cùng một kênh cùng thông tin đầy đủ cho các việc làm để giúp sinh viên dễ dàng hơn trong việc chọn lựa công việc phù hợp, tiết kiệm thời gian cho cả sinh viên lẫn nhà tuyển dụng. Lấy nền tảng web để thực hiện vì vậy bài toán có thể giải quyết việc làm cho sinh viên ở nhiều khu vực khác nhau.</a:t>
+            </a:r>
+            <a:endParaRPr lang="en-US" dirty="0"/>
+          </a:p>
+        </p:txBody>
+      </p:sp>
+    </p:spTree>
+    <p:extLst>
+      <p:ext uri="{BB962C8B-B14F-4D97-AF65-F5344CB8AC3E}">
+        <p14:creationId xmlns:p14="http://schemas.microsoft.com/office/powerpoint/2010/main" val="1258916621"/>
+      </p:ext>
+    </p:extLst>
+  </p:cSld>
+  <p:clrMapOvr>
+    <a:masterClrMapping/>
+  </p:clrMapOvr>
+</p:sld>
+</file>
+
+<file path=ppt/slides/slide20.xml><?xml version="1.0" encoding="utf-8"?>
 <p:sld xmlns:a="http://schemas.openxmlformats.org/drawingml/2006/main" xmlns:r="http://schemas.openxmlformats.org/officeDocument/2006/relationships" xmlns:p="http://schemas.openxmlformats.org/presentationml/2006/main">
   <p:cSld>
     <p:spTree>

--- a/File-Slide/NMCNPM-BC.pptx
+++ b/File-Slide/NMCNPM-BC.pptx
@@ -7327,62 +7327,32 @@
       </p:sp>
       <p:pic>
         <p:nvPicPr>
-          <p:cNvPr id="2050" name="Picture 1">
+          <p:cNvPr id="4" name="Picture 3">
             <a:extLst>
               <a:ext uri="{FF2B5EF4-FFF2-40B4-BE49-F238E27FC236}">
-                <a16:creationId xmlns:a16="http://schemas.microsoft.com/office/drawing/2014/main" id="{A8833CF2-EFD4-4767-B5D4-6C3FB11BC4B8}"/>
+                <a16:creationId xmlns:a16="http://schemas.microsoft.com/office/drawing/2014/main" id="{4C846788-5565-4B36-B2F4-ED1F09306383}"/>
               </a:ext>
             </a:extLst>
           </p:cNvPr>
           <p:cNvPicPr>
-            <a:picLocks noChangeAspect="1" noChangeArrowheads="1"/>
+            <a:picLocks noChangeAspect="1"/>
           </p:cNvPicPr>
           <p:nvPr/>
         </p:nvPicPr>
         <p:blipFill>
-          <a:blip r:embed="rId2">
-            <a:extLst>
-              <a:ext uri="{28A0092B-C50C-407E-A947-70E740481C1C}">
-                <a14:useLocalDpi xmlns:a14="http://schemas.microsoft.com/office/drawing/2010/main" val="0"/>
-              </a:ext>
-            </a:extLst>
-          </a:blip>
-          <a:srcRect/>
+          <a:blip r:embed="rId2"/>
           <a:stretch>
             <a:fillRect/>
           </a:stretch>
         </p:blipFill>
-        <p:spPr bwMode="auto">
+        <p:spPr>
           <a:xfrm>
-            <a:off x="2416029" y="1392573"/>
-            <a:ext cx="7273255" cy="4991450"/>
+            <a:off x="2019439" y="1419906"/>
+            <a:ext cx="7439025" cy="4739276"/>
           </a:xfrm>
           <a:prstGeom prst="rect">
             <a:avLst/>
           </a:prstGeom>
-          <a:noFill/>
-          <a:ln>
-            <a:noFill/>
-          </a:ln>
-          <a:extLst>
-            <a:ext uri="{909E8E84-426E-40DD-AFC4-6F175D3DCCD1}">
-              <a14:hiddenFill xmlns:a14="http://schemas.microsoft.com/office/drawing/2010/main">
-                <a:solidFill>
-                  <a:srgbClr val="FFFFFF"/>
-                </a:solidFill>
-              </a14:hiddenFill>
-            </a:ext>
-            <a:ext uri="{91240B29-F687-4F45-9708-019B960494DF}">
-              <a14:hiddenLine xmlns:a14="http://schemas.microsoft.com/office/drawing/2010/main" w="9525">
-                <a:solidFill>
-                  <a:srgbClr val="000000"/>
-                </a:solidFill>
-                <a:miter lim="800000"/>
-                <a:headEnd/>
-                <a:tailEnd/>
-              </a14:hiddenLine>
-            </a:ext>
-          </a:extLst>
         </p:spPr>
       </p:pic>
     </p:spTree>

--- a/File-Slide/NMCNPM-BC.pptx
+++ b/File-Slide/NMCNPM-BC.pptx
@@ -5,7 +5,7 @@
     <p:sldMasterId id="2147483668" r:id="rId1"/>
   </p:sldMasterIdLst>
   <p:notesMasterIdLst>
-    <p:notesMasterId r:id="rId22"/>
+    <p:notesMasterId r:id="rId19"/>
   </p:notesMasterIdLst>
   <p:sldIdLst>
     <p:sldId id="256" r:id="rId2"/>
@@ -19,15 +19,12 @@
     <p:sldId id="264" r:id="rId10"/>
     <p:sldId id="268" r:id="rId11"/>
     <p:sldId id="269" r:id="rId12"/>
-    <p:sldId id="271" r:id="rId13"/>
-    <p:sldId id="283" r:id="rId14"/>
-    <p:sldId id="285" r:id="rId15"/>
-    <p:sldId id="293" r:id="rId16"/>
-    <p:sldId id="287" r:id="rId17"/>
-    <p:sldId id="289" r:id="rId18"/>
-    <p:sldId id="265" r:id="rId19"/>
-    <p:sldId id="291" r:id="rId20"/>
-    <p:sldId id="266" r:id="rId21"/>
+    <p:sldId id="283" r:id="rId13"/>
+    <p:sldId id="293" r:id="rId14"/>
+    <p:sldId id="289" r:id="rId15"/>
+    <p:sldId id="265" r:id="rId16"/>
+    <p:sldId id="291" r:id="rId17"/>
+    <p:sldId id="266" r:id="rId18"/>
   </p:sldIdLst>
   <p:sldSz cx="12192000" cy="6858000"/>
   <p:notesSz cx="6858000" cy="9144000"/>
@@ -148,16 +145,12 @@
           <p14:sldIdLst/>
         </p14:section>
         <p14:section name="Design, Morph, Annotate, Work Together, Tell Me" id="{B9B51309-D148-4332-87C2-07BE32FBCA3B}">
-          <p14:sldIdLst>
-            <p14:sldId id="271"/>
-          </p14:sldIdLst>
+          <p14:sldIdLst/>
         </p14:section>
         <p14:section name="Learn More" id="{2CC34DB2-6590-42C0-AD4B-A04C6060184E}">
           <p14:sldIdLst>
             <p14:sldId id="283"/>
-            <p14:sldId id="285"/>
             <p14:sldId id="293"/>
-            <p14:sldId id="287"/>
             <p14:sldId id="289"/>
             <p14:sldId id="265"/>
             <p14:sldId id="291"/>
@@ -7142,150 +7135,6 @@
       </p:grpSpPr>
       <p:sp>
         <p:nvSpPr>
-          <p:cNvPr id="8" name="Title 7"/>
-          <p:cNvSpPr>
-            <a:spLocks noGrp="1"/>
-          </p:cNvSpPr>
-          <p:nvPr>
-            <p:ph type="title"/>
-          </p:nvPr>
-        </p:nvSpPr>
-        <p:spPr/>
-        <p:txBody>
-          <a:bodyPr>
-            <a:noAutofit/>
-          </a:bodyPr>
-          <a:lstStyle/>
-          <a:p>
-            <a:pPr marL="457200" marR="0" lvl="1">
-              <a:spcBef>
-                <a:spcPts val="0"/>
-              </a:spcBef>
-              <a:spcAft>
-                <a:spcPts val="0"/>
-              </a:spcAft>
-              <a:tabLst>
-                <a:tab pos="1062990" algn="l"/>
-              </a:tabLst>
-            </a:pPr>
-            <a:r>
-              <a:rPr lang="en-US" sz="4400" b="1" dirty="0">
-                <a:effectLst/>
-                <a:latin typeface="Times New Roman" panose="02020603050405020304" pitchFamily="18" charset="0"/>
-                <a:ea typeface="Times New Roman" panose="02020603050405020304" pitchFamily="18" charset="0"/>
-                <a:cs typeface="Times New Roman" panose="02020603050405020304" pitchFamily="18" charset="0"/>
-              </a:rPr>
-              <a:t>Activity diagrams</a:t>
-            </a:r>
-            <a:endParaRPr lang="en-US" sz="4400" dirty="0">
-              <a:effectLst/>
-              <a:latin typeface="Plotter"/>
-              <a:ea typeface="Times New Roman" panose="02020603050405020304" pitchFamily="18" charset="0"/>
-              <a:cs typeface="Times New Roman" panose="02020603050405020304" pitchFamily="18" charset="0"/>
-            </a:endParaRPr>
-          </a:p>
-        </p:txBody>
-      </p:sp>
-      <p:pic>
-        <p:nvPicPr>
-          <p:cNvPr id="1026" name="Picture 2">
-            <a:extLst>
-              <a:ext uri="{FF2B5EF4-FFF2-40B4-BE49-F238E27FC236}">
-                <a16:creationId xmlns:a16="http://schemas.microsoft.com/office/drawing/2014/main" id="{79914580-A20E-4B2B-9EEF-93CB971436AE}"/>
-              </a:ext>
-            </a:extLst>
-          </p:cNvPr>
-          <p:cNvPicPr>
-            <a:picLocks noChangeAspect="1" noChangeArrowheads="1"/>
-          </p:cNvPicPr>
-          <p:nvPr/>
-        </p:nvPicPr>
-        <p:blipFill>
-          <a:blip r:embed="rId2">
-            <a:extLst>
-              <a:ext uri="{28A0092B-C50C-407E-A947-70E740481C1C}">
-                <a14:useLocalDpi xmlns:a14="http://schemas.microsoft.com/office/drawing/2010/main" val="0"/>
-              </a:ext>
-            </a:extLst>
-          </a:blip>
-          <a:srcRect/>
-          <a:stretch>
-            <a:fillRect/>
-          </a:stretch>
-        </p:blipFill>
-        <p:spPr bwMode="auto">
-          <a:xfrm>
-            <a:off x="2324100" y="1334707"/>
-            <a:ext cx="7937500" cy="5075237"/>
-          </a:xfrm>
-          <a:prstGeom prst="rect">
-            <a:avLst/>
-          </a:prstGeom>
-          <a:noFill/>
-          <a:ln>
-            <a:noFill/>
-          </a:ln>
-          <a:extLst>
-            <a:ext uri="{909E8E84-426E-40DD-AFC4-6F175D3DCCD1}">
-              <a14:hiddenFill xmlns:a14="http://schemas.microsoft.com/office/drawing/2010/main">
-                <a:solidFill>
-                  <a:srgbClr val="FFFFFF"/>
-                </a:solidFill>
-              </a14:hiddenFill>
-            </a:ext>
-            <a:ext uri="{91240B29-F687-4F45-9708-019B960494DF}">
-              <a14:hiddenLine xmlns:a14="http://schemas.microsoft.com/office/drawing/2010/main" w="9525">
-                <a:solidFill>
-                  <a:srgbClr val="000000"/>
-                </a:solidFill>
-                <a:miter lim="800000"/>
-                <a:headEnd/>
-                <a:tailEnd/>
-              </a14:hiddenLine>
-            </a:ext>
-          </a:extLst>
-        </p:spPr>
-      </p:pic>
-    </p:spTree>
-    <p:extLst>
-      <p:ext uri="{BB962C8B-B14F-4D97-AF65-F5344CB8AC3E}">
-        <p14:creationId xmlns:p14="http://schemas.microsoft.com/office/powerpoint/2010/main" val="3457616166"/>
-      </p:ext>
-    </p:extLst>
-  </p:cSld>
-  <p:clrMapOvr>
-    <a:masterClrMapping/>
-  </p:clrMapOvr>
-  <mc:AlternateContent xmlns:mc="http://schemas.openxmlformats.org/markup-compatibility/2006" xmlns:p14="http://schemas.microsoft.com/office/powerpoint/2010/main">
-    <mc:Choice Requires="p14">
-      <p:transition p14:dur="10"/>
-    </mc:Choice>
-    <mc:Fallback xmlns="">
-      <p:transition/>
-    </mc:Fallback>
-  </mc:AlternateContent>
-</p:sld>
-</file>
-
-<file path=ppt/slides/slide13.xml><?xml version="1.0" encoding="utf-8"?>
-<p:sld xmlns:a="http://schemas.openxmlformats.org/drawingml/2006/main" xmlns:r="http://schemas.openxmlformats.org/officeDocument/2006/relationships" xmlns:p="http://schemas.openxmlformats.org/presentationml/2006/main">
-  <p:cSld>
-    <p:spTree>
-      <p:nvGrpSpPr>
-        <p:cNvPr id="1" name=""/>
-        <p:cNvGrpSpPr/>
-        <p:nvPr/>
-      </p:nvGrpSpPr>
-      <p:grpSpPr>
-        <a:xfrm>
-          <a:off x="0" y="0"/>
-          <a:ext cx="0" cy="0"/>
-          <a:chOff x="0" y="0"/>
-          <a:chExt cx="0" cy="0"/>
-        </a:xfrm>
-      </p:grpSpPr>
-      <p:sp>
-        <p:nvSpPr>
           <p:cNvPr id="2" name="Title 1">
             <a:extLst>
               <a:ext uri="{FF2B5EF4-FFF2-40B4-BE49-F238E27FC236}">
@@ -7368,138 +7217,7 @@
 </p:sld>
 </file>
 
-<file path=ppt/slides/slide14.xml><?xml version="1.0" encoding="utf-8"?>
-<p:sld xmlns:a="http://schemas.openxmlformats.org/drawingml/2006/main" xmlns:r="http://schemas.openxmlformats.org/officeDocument/2006/relationships" xmlns:p="http://schemas.openxmlformats.org/presentationml/2006/main">
-  <p:cSld>
-    <p:spTree>
-      <p:nvGrpSpPr>
-        <p:cNvPr id="1" name=""/>
-        <p:cNvGrpSpPr/>
-        <p:nvPr/>
-      </p:nvGrpSpPr>
-      <p:grpSpPr>
-        <a:xfrm>
-          <a:off x="0" y="0"/>
-          <a:ext cx="0" cy="0"/>
-          <a:chOff x="0" y="0"/>
-          <a:chExt cx="0" cy="0"/>
-        </a:xfrm>
-      </p:grpSpPr>
-      <p:sp>
-        <p:nvSpPr>
-          <p:cNvPr id="2" name="Title 1">
-            <a:extLst>
-              <a:ext uri="{FF2B5EF4-FFF2-40B4-BE49-F238E27FC236}">
-                <a16:creationId xmlns:a16="http://schemas.microsoft.com/office/drawing/2014/main" id="{B02FDA96-7272-4C94-A6CE-E269C7F37F7C}"/>
-              </a:ext>
-            </a:extLst>
-          </p:cNvPr>
-          <p:cNvSpPr>
-            <a:spLocks noGrp="1"/>
-          </p:cNvSpPr>
-          <p:nvPr>
-            <p:ph type="title"/>
-          </p:nvPr>
-        </p:nvSpPr>
-        <p:spPr>
-          <a:xfrm>
-            <a:off x="781266" y="389333"/>
-            <a:ext cx="6877119" cy="640080"/>
-          </a:xfrm>
-        </p:spPr>
-        <p:txBody>
-          <a:bodyPr>
-            <a:noAutofit/>
-          </a:bodyPr>
-          <a:lstStyle/>
-          <a:p>
-            <a:r>
-              <a:rPr lang="en-US" sz="4400" b="1" dirty="0">
-                <a:effectLst/>
-                <a:latin typeface="Times New Roman" panose="02020603050405020304" pitchFamily="18" charset="0"/>
-                <a:ea typeface="Times New Roman" panose="02020603050405020304" pitchFamily="18" charset="0"/>
-                <a:cs typeface="Times New Roman" panose="02020603050405020304" pitchFamily="18" charset="0"/>
-              </a:rPr>
-              <a:t>Sequence diagrams.</a:t>
-            </a:r>
-            <a:endParaRPr lang="en-US" sz="4400" dirty="0"/>
-          </a:p>
-        </p:txBody>
-      </p:sp>
-      <p:pic>
-        <p:nvPicPr>
-          <p:cNvPr id="2050" name="Picture 1">
-            <a:extLst>
-              <a:ext uri="{FF2B5EF4-FFF2-40B4-BE49-F238E27FC236}">
-                <a16:creationId xmlns:a16="http://schemas.microsoft.com/office/drawing/2014/main" id="{4EBF2614-41A8-49BB-8658-CA91AE23EFFD}"/>
-              </a:ext>
-            </a:extLst>
-          </p:cNvPr>
-          <p:cNvPicPr>
-            <a:picLocks noChangeAspect="1" noChangeArrowheads="1"/>
-          </p:cNvPicPr>
-          <p:nvPr/>
-        </p:nvPicPr>
-        <p:blipFill>
-          <a:blip r:embed="rId2">
-            <a:extLst>
-              <a:ext uri="{28A0092B-C50C-407E-A947-70E740481C1C}">
-                <a14:useLocalDpi xmlns:a14="http://schemas.microsoft.com/office/drawing/2010/main" val="0"/>
-              </a:ext>
-            </a:extLst>
-          </a:blip>
-          <a:srcRect/>
-          <a:stretch>
-            <a:fillRect/>
-          </a:stretch>
-        </p:blipFill>
-        <p:spPr bwMode="auto">
-          <a:xfrm>
-            <a:off x="2265028" y="1296667"/>
-            <a:ext cx="7222921" cy="5095743"/>
-          </a:xfrm>
-          <a:prstGeom prst="rect">
-            <a:avLst/>
-          </a:prstGeom>
-          <a:noFill/>
-          <a:ln>
-            <a:noFill/>
-          </a:ln>
-          <a:extLst>
-            <a:ext uri="{909E8E84-426E-40DD-AFC4-6F175D3DCCD1}">
-              <a14:hiddenFill xmlns:a14="http://schemas.microsoft.com/office/drawing/2010/main">
-                <a:solidFill>
-                  <a:srgbClr val="FFFFFF"/>
-                </a:solidFill>
-              </a14:hiddenFill>
-            </a:ext>
-            <a:ext uri="{91240B29-F687-4F45-9708-019B960494DF}">
-              <a14:hiddenLine xmlns:a14="http://schemas.microsoft.com/office/drawing/2010/main" w="9525">
-                <a:solidFill>
-                  <a:srgbClr val="000000"/>
-                </a:solidFill>
-                <a:miter lim="800000"/>
-                <a:headEnd/>
-                <a:tailEnd/>
-              </a14:hiddenLine>
-            </a:ext>
-          </a:extLst>
-        </p:spPr>
-      </p:pic>
-    </p:spTree>
-    <p:extLst>
-      <p:ext uri="{BB962C8B-B14F-4D97-AF65-F5344CB8AC3E}">
-        <p14:creationId xmlns:p14="http://schemas.microsoft.com/office/powerpoint/2010/main" val="4291911966"/>
-      </p:ext>
-    </p:extLst>
-  </p:cSld>
-  <p:clrMapOvr>
-    <a:masterClrMapping/>
-  </p:clrMapOvr>
-</p:sld>
-</file>
-
-<file path=ppt/slides/slide15.xml><?xml version="1.0" encoding="utf-8"?>
+<file path=ppt/slides/slide13.xml><?xml version="1.0" encoding="utf-8"?>
 <p:sld xmlns:a="http://schemas.openxmlformats.org/drawingml/2006/main" xmlns:r="http://schemas.openxmlformats.org/officeDocument/2006/relationships" xmlns:p="http://schemas.openxmlformats.org/presentationml/2006/main">
   <p:cSld>
     <p:spTree>
@@ -7594,102 +7312,7 @@
 </p:sld>
 </file>
 
-<file path=ppt/slides/slide16.xml><?xml version="1.0" encoding="utf-8"?>
-<p:sld xmlns:a="http://schemas.openxmlformats.org/drawingml/2006/main" xmlns:r="http://schemas.openxmlformats.org/officeDocument/2006/relationships" xmlns:p="http://schemas.openxmlformats.org/presentationml/2006/main">
-  <p:cSld>
-    <p:spTree>
-      <p:nvGrpSpPr>
-        <p:cNvPr id="1" name=""/>
-        <p:cNvGrpSpPr/>
-        <p:nvPr/>
-      </p:nvGrpSpPr>
-      <p:grpSpPr>
-        <a:xfrm>
-          <a:off x="0" y="0"/>
-          <a:ext cx="0" cy="0"/>
-          <a:chOff x="0" y="0"/>
-          <a:chExt cx="0" cy="0"/>
-        </a:xfrm>
-      </p:grpSpPr>
-      <p:sp>
-        <p:nvSpPr>
-          <p:cNvPr id="2" name="Title 1">
-            <a:extLst>
-              <a:ext uri="{FF2B5EF4-FFF2-40B4-BE49-F238E27FC236}">
-                <a16:creationId xmlns:a16="http://schemas.microsoft.com/office/drawing/2014/main" id="{B02FDA96-7272-4C94-A6CE-E269C7F37F7C}"/>
-              </a:ext>
-            </a:extLst>
-          </p:cNvPr>
-          <p:cNvSpPr>
-            <a:spLocks noGrp="1"/>
-          </p:cNvSpPr>
-          <p:nvPr>
-            <p:ph type="title"/>
-          </p:nvPr>
-        </p:nvSpPr>
-        <p:spPr>
-          <a:xfrm>
-            <a:off x="781266" y="389333"/>
-            <a:ext cx="6877119" cy="640080"/>
-          </a:xfrm>
-        </p:spPr>
-        <p:txBody>
-          <a:bodyPr>
-            <a:noAutofit/>
-          </a:bodyPr>
-          <a:lstStyle/>
-          <a:p>
-            <a:r>
-              <a:rPr lang="en-US" sz="4400" b="1" dirty="0">
-                <a:effectLst/>
-                <a:latin typeface="Times New Roman" panose="02020603050405020304" pitchFamily="18" charset="0"/>
-                <a:ea typeface="Times New Roman" panose="02020603050405020304" pitchFamily="18" charset="0"/>
-                <a:cs typeface="Times New Roman" panose="02020603050405020304" pitchFamily="18" charset="0"/>
-              </a:rPr>
-              <a:t>Sequence diagrams.</a:t>
-            </a:r>
-            <a:endParaRPr lang="en-US" sz="4400" dirty="0"/>
-          </a:p>
-        </p:txBody>
-      </p:sp>
-      <p:pic>
-        <p:nvPicPr>
-          <p:cNvPr id="3" name="Picture 2"/>
-          <p:cNvPicPr>
-            <a:picLocks noChangeAspect="1"/>
-          </p:cNvPicPr>
-          <p:nvPr/>
-        </p:nvPicPr>
-        <p:blipFill>
-          <a:blip r:embed="rId2"/>
-          <a:stretch>
-            <a:fillRect/>
-          </a:stretch>
-        </p:blipFill>
-        <p:spPr>
-          <a:xfrm>
-            <a:off x="1850315" y="1655497"/>
-            <a:ext cx="8248650" cy="4371975"/>
-          </a:xfrm>
-          <a:prstGeom prst="rect">
-            <a:avLst/>
-          </a:prstGeom>
-        </p:spPr>
-      </p:pic>
-    </p:spTree>
-    <p:extLst>
-      <p:ext uri="{BB962C8B-B14F-4D97-AF65-F5344CB8AC3E}">
-        <p14:creationId xmlns:p14="http://schemas.microsoft.com/office/powerpoint/2010/main" val="3533643836"/>
-      </p:ext>
-    </p:extLst>
-  </p:cSld>
-  <p:clrMapOvr>
-    <a:masterClrMapping/>
-  </p:clrMapOvr>
-</p:sld>
-</file>
-
-<file path=ppt/slides/slide17.xml><?xml version="1.0" encoding="utf-8"?>
+<file path=ppt/slides/slide14.xml><?xml version="1.0" encoding="utf-8"?>
 <p:sld xmlns:a="http://schemas.openxmlformats.org/drawingml/2006/main" xmlns:r="http://schemas.openxmlformats.org/officeDocument/2006/relationships" xmlns:p="http://schemas.openxmlformats.org/presentationml/2006/main">
   <p:cSld>
     <p:spTree>
@@ -7790,7 +7413,7 @@
 </p:sld>
 </file>
 
-<file path=ppt/slides/slide18.xml><?xml version="1.0" encoding="utf-8"?>
+<file path=ppt/slides/slide15.xml><?xml version="1.0" encoding="utf-8"?>
 <p:sld xmlns:a="http://schemas.openxmlformats.org/drawingml/2006/main" xmlns:r="http://schemas.openxmlformats.org/officeDocument/2006/relationships" xmlns:p="http://schemas.openxmlformats.org/presentationml/2006/main">
   <p:cSld>
     <p:spTree>
@@ -7880,7 +7503,7 @@
 </p:sld>
 </file>
 
-<file path=ppt/slides/slide19.xml><?xml version="1.0" encoding="utf-8"?>
+<file path=ppt/slides/slide16.xml><?xml version="1.0" encoding="utf-8"?>
 <p:sld xmlns:a="http://schemas.openxmlformats.org/drawingml/2006/main" xmlns:r="http://schemas.openxmlformats.org/officeDocument/2006/relationships" xmlns:p="http://schemas.openxmlformats.org/presentationml/2006/main">
   <p:cSld>
     <p:spTree>
@@ -7975,117 +7598,7 @@
 </p:sld>
 </file>
 
-<file path=ppt/slides/slide2.xml><?xml version="1.0" encoding="utf-8"?>
-<p:sld xmlns:a="http://schemas.openxmlformats.org/drawingml/2006/main" xmlns:r="http://schemas.openxmlformats.org/officeDocument/2006/relationships" xmlns:p="http://schemas.openxmlformats.org/presentationml/2006/main">
-  <p:cSld>
-    <p:spTree>
-      <p:nvGrpSpPr>
-        <p:cNvPr id="1" name=""/>
-        <p:cNvGrpSpPr/>
-        <p:nvPr/>
-      </p:nvGrpSpPr>
-      <p:grpSpPr>
-        <a:xfrm>
-          <a:off x="0" y="0"/>
-          <a:ext cx="0" cy="0"/>
-          <a:chOff x="0" y="0"/>
-          <a:chExt cx="0" cy="0"/>
-        </a:xfrm>
-      </p:grpSpPr>
-      <p:sp>
-        <p:nvSpPr>
-          <p:cNvPr id="2" name="Title 1"/>
-          <p:cNvSpPr>
-            <a:spLocks noGrp="1"/>
-          </p:cNvSpPr>
-          <p:nvPr>
-            <p:ph type="title"/>
-          </p:nvPr>
-        </p:nvSpPr>
-        <p:spPr/>
-        <p:txBody>
-          <a:bodyPr/>
-          <a:lstStyle/>
-          <a:p>
-            <a:r>
-              <a:rPr lang="en-US" dirty="0"/>
-              <a:t>Phần mềm web việc làm sinh viên</a:t>
-            </a:r>
-          </a:p>
-        </p:txBody>
-      </p:sp>
-      <p:sp>
-        <p:nvSpPr>
-          <p:cNvPr id="3" name="Content Placeholder 2"/>
-          <p:cNvSpPr>
-            <a:spLocks noGrp="1"/>
-          </p:cNvSpPr>
-          <p:nvPr>
-            <p:ph idx="1"/>
-          </p:nvPr>
-        </p:nvSpPr>
-        <p:spPr>
-          <a:xfrm>
-            <a:off x="677334" y="1577114"/>
-            <a:ext cx="8596668" cy="4693057"/>
-          </a:xfrm>
-        </p:spPr>
-        <p:txBody>
-          <a:bodyPr/>
-          <a:lstStyle/>
-          <a:p>
-            <a:r>
-              <a:rPr lang="en-US" dirty="0"/>
-              <a:t>Mô tả dự án:</a:t>
-            </a:r>
-          </a:p>
-          <a:p>
-            <a:pPr marL="0" indent="0">
-              <a:buNone/>
-            </a:pPr>
-            <a:r>
-              <a:rPr lang="en-US" dirty="0"/>
-              <a:t>	</a:t>
-            </a:r>
-            <a:r>
-              <a:rPr lang="vi-VN" dirty="0"/>
-              <a:t>Hiện tại, sinh viên đang có nhu cầu khá cao về những công việc part-time và các công việc loại này trên thị trường cũng khá nhiều. Phần lớn, sinh viên nhận 1 việc làm thông qua phương tiện truyền thông như facebook, zalo hoặc đơn giản từ sự giới thiệu của bạn bè. Nhưng các kênh này có nhiều hạn chế như một số bạn không tìm được công việc, hoặc công việc không như mong muốn, các kênh thông tin chưa đầy đủ và mất thời gian để tìm hiểu, nhà tuyển dụng không tìm được nhân viên và chưa có một kênh chính thức nào cho việc làm part-time.</a:t>
-            </a:r>
-            <a:r>
-              <a:rPr lang="en-US" dirty="0"/>
-              <a:t> </a:t>
-            </a:r>
-          </a:p>
-          <a:p>
-            <a:pPr marL="0" indent="0">
-              <a:buNone/>
-            </a:pPr>
-            <a:r>
-              <a:rPr lang="en-US" dirty="0"/>
-              <a:t>	</a:t>
-            </a:r>
-            <a:r>
-              <a:rPr lang="vi-VN" dirty="0"/>
-              <a:t>Để giải quyết nhu cầu này, cần phải có một kênh chính thức về việc làm cho sinh viên. Mục tiêu đưa càng nhiều càng tốt những việc làm part-time vào cùng một kênh cùng thông tin đầy đủ cho các việc làm để giúp sinh viên dễ dàng hơn trong việc chọn lựa công việc phù hợp, tiết kiệm thời gian cho cả sinh viên lẫn nhà tuyển dụng. Lấy nền tảng web để thực hiện vì vậy bài toán có thể giải quyết việc làm cho sinh viên ở nhiều khu vực khác nhau.</a:t>
-            </a:r>
-            <a:endParaRPr lang="en-US" dirty="0"/>
-          </a:p>
-        </p:txBody>
-      </p:sp>
-    </p:spTree>
-    <p:extLst>
-      <p:ext uri="{BB962C8B-B14F-4D97-AF65-F5344CB8AC3E}">
-        <p14:creationId xmlns:p14="http://schemas.microsoft.com/office/powerpoint/2010/main" val="1258916621"/>
-      </p:ext>
-    </p:extLst>
-  </p:cSld>
-  <p:clrMapOvr>
-    <a:masterClrMapping/>
-  </p:clrMapOvr>
-</p:sld>
-</file>
-
-<file path=ppt/slides/slide20.xml><?xml version="1.0" encoding="utf-8"?>
+<file path=ppt/slides/slide17.xml><?xml version="1.0" encoding="utf-8"?>
 <p:sld xmlns:a="http://schemas.openxmlformats.org/drawingml/2006/main" xmlns:r="http://schemas.openxmlformats.org/officeDocument/2006/relationships" xmlns:p="http://schemas.openxmlformats.org/presentationml/2006/main">
   <p:cSld>
     <p:spTree>
@@ -8160,6 +7673,116 @@
     <p:extLst>
       <p:ext uri="{BB962C8B-B14F-4D97-AF65-F5344CB8AC3E}">
         <p14:creationId xmlns:p14="http://schemas.microsoft.com/office/powerpoint/2010/main" val="44718064"/>
+      </p:ext>
+    </p:extLst>
+  </p:cSld>
+  <p:clrMapOvr>
+    <a:masterClrMapping/>
+  </p:clrMapOvr>
+</p:sld>
+</file>
+
+<file path=ppt/slides/slide2.xml><?xml version="1.0" encoding="utf-8"?>
+<p:sld xmlns:a="http://schemas.openxmlformats.org/drawingml/2006/main" xmlns:r="http://schemas.openxmlformats.org/officeDocument/2006/relationships" xmlns:p="http://schemas.openxmlformats.org/presentationml/2006/main">
+  <p:cSld>
+    <p:spTree>
+      <p:nvGrpSpPr>
+        <p:cNvPr id="1" name=""/>
+        <p:cNvGrpSpPr/>
+        <p:nvPr/>
+      </p:nvGrpSpPr>
+      <p:grpSpPr>
+        <a:xfrm>
+          <a:off x="0" y="0"/>
+          <a:ext cx="0" cy="0"/>
+          <a:chOff x="0" y="0"/>
+          <a:chExt cx="0" cy="0"/>
+        </a:xfrm>
+      </p:grpSpPr>
+      <p:sp>
+        <p:nvSpPr>
+          <p:cNvPr id="2" name="Title 1"/>
+          <p:cNvSpPr>
+            <a:spLocks noGrp="1"/>
+          </p:cNvSpPr>
+          <p:nvPr>
+            <p:ph type="title"/>
+          </p:nvPr>
+        </p:nvSpPr>
+        <p:spPr/>
+        <p:txBody>
+          <a:bodyPr/>
+          <a:lstStyle/>
+          <a:p>
+            <a:r>
+              <a:rPr lang="en-US" dirty="0"/>
+              <a:t>Phần mềm web việc làm sinh viên</a:t>
+            </a:r>
+          </a:p>
+        </p:txBody>
+      </p:sp>
+      <p:sp>
+        <p:nvSpPr>
+          <p:cNvPr id="3" name="Content Placeholder 2"/>
+          <p:cNvSpPr>
+            <a:spLocks noGrp="1"/>
+          </p:cNvSpPr>
+          <p:nvPr>
+            <p:ph idx="1"/>
+          </p:nvPr>
+        </p:nvSpPr>
+        <p:spPr>
+          <a:xfrm>
+            <a:off x="677334" y="1577114"/>
+            <a:ext cx="8596668" cy="4693057"/>
+          </a:xfrm>
+        </p:spPr>
+        <p:txBody>
+          <a:bodyPr/>
+          <a:lstStyle/>
+          <a:p>
+            <a:r>
+              <a:rPr lang="en-US" dirty="0"/>
+              <a:t>Mô tả dự án:</a:t>
+            </a:r>
+          </a:p>
+          <a:p>
+            <a:pPr marL="0" indent="0">
+              <a:buNone/>
+            </a:pPr>
+            <a:r>
+              <a:rPr lang="en-US" dirty="0"/>
+              <a:t>	</a:t>
+            </a:r>
+            <a:r>
+              <a:rPr lang="vi-VN" dirty="0"/>
+              <a:t>Hiện tại, sinh viên đang có nhu cầu khá cao về những công việc part-time và các công việc loại này trên thị trường cũng khá nhiều. Phần lớn, sinh viên nhận 1 việc làm thông qua phương tiện truyền thông như facebook, zalo hoặc đơn giản từ sự giới thiệu của bạn bè. Nhưng các kênh này có nhiều hạn chế như một số bạn không tìm được công việc, hoặc công việc không như mong muốn, các kênh thông tin chưa đầy đủ và mất thời gian để tìm hiểu, nhà tuyển dụng không tìm được nhân viên và chưa có một kênh chính thức nào cho việc làm part-time.</a:t>
+            </a:r>
+            <a:r>
+              <a:rPr lang="en-US" dirty="0"/>
+              <a:t> </a:t>
+            </a:r>
+          </a:p>
+          <a:p>
+            <a:pPr marL="0" indent="0">
+              <a:buNone/>
+            </a:pPr>
+            <a:r>
+              <a:rPr lang="en-US" dirty="0"/>
+              <a:t>	</a:t>
+            </a:r>
+            <a:r>
+              <a:rPr lang="vi-VN" dirty="0"/>
+              <a:t>Để giải quyết nhu cầu này, cần phải có một kênh chính thức về việc làm cho sinh viên. Mục tiêu đưa càng nhiều càng tốt những việc làm part-time vào cùng một kênh cùng thông tin đầy đủ cho các việc làm để giúp sinh viên dễ dàng hơn trong việc chọn lựa công việc phù hợp, tiết kiệm thời gian cho cả sinh viên lẫn nhà tuyển dụng. Lấy nền tảng web để thực hiện vì vậy bài toán có thể giải quyết việc làm cho sinh viên ở nhiều khu vực khác nhau.</a:t>
+            </a:r>
+            <a:endParaRPr lang="en-US" dirty="0"/>
+          </a:p>
+        </p:txBody>
+      </p:sp>
+    </p:spTree>
+    <p:extLst>
+      <p:ext uri="{BB962C8B-B14F-4D97-AF65-F5344CB8AC3E}">
+        <p14:creationId xmlns:p14="http://schemas.microsoft.com/office/powerpoint/2010/main" val="1258916621"/>
       </p:ext>
     </p:extLst>
   </p:cSld>

--- a/File-Slide/NMCNPM-BC.pptx
+++ b/File-Slide/NMCNPM-BC.pptx
@@ -7176,10 +7176,10 @@
       </p:sp>
       <p:pic>
         <p:nvPicPr>
-          <p:cNvPr id="4" name="Picture 3">
+          <p:cNvPr id="5" name="Picture 4">
             <a:extLst>
               <a:ext uri="{FF2B5EF4-FFF2-40B4-BE49-F238E27FC236}">
-                <a16:creationId xmlns:a16="http://schemas.microsoft.com/office/drawing/2014/main" id="{4C846788-5565-4B36-B2F4-ED1F09306383}"/>
+                <a16:creationId xmlns:a16="http://schemas.microsoft.com/office/drawing/2014/main" id="{0615D5D2-D7B3-420D-A3A3-DC558F0EE4CE}"/>
               </a:ext>
             </a:extLst>
           </p:cNvPr>
@@ -7196,8 +7196,8 @@
         </p:blipFill>
         <p:spPr>
           <a:xfrm>
-            <a:off x="2019439" y="1419906"/>
-            <a:ext cx="7439025" cy="4739276"/>
+            <a:off x="2284197" y="1411965"/>
+            <a:ext cx="7019925" cy="4886325"/>
           </a:xfrm>
           <a:prstGeom prst="rect">
             <a:avLst/>

--- a/File-Slide/NMCNPM-BC.pptx
+++ b/File-Slide/NMCNPM-BC.pptx
@@ -7176,10 +7176,10 @@
       </p:sp>
       <p:pic>
         <p:nvPicPr>
-          <p:cNvPr id="5" name="Picture 4">
+          <p:cNvPr id="4" name="Picture 3">
             <a:extLst>
               <a:ext uri="{FF2B5EF4-FFF2-40B4-BE49-F238E27FC236}">
-                <a16:creationId xmlns:a16="http://schemas.microsoft.com/office/drawing/2014/main" id="{0615D5D2-D7B3-420D-A3A3-DC558F0EE4CE}"/>
+                <a16:creationId xmlns:a16="http://schemas.microsoft.com/office/drawing/2014/main" id="{418214C6-B4DE-4E5E-8798-A96E8D679075}"/>
               </a:ext>
             </a:extLst>
           </p:cNvPr>
@@ -7196,8 +7196,8 @@
         </p:blipFill>
         <p:spPr>
           <a:xfrm>
-            <a:off x="2284197" y="1411965"/>
-            <a:ext cx="7019925" cy="4886325"/>
+            <a:off x="1965757" y="1433605"/>
+            <a:ext cx="7639050" cy="4772025"/>
           </a:xfrm>
           <a:prstGeom prst="rect">
             <a:avLst/>

--- a/File-Slide/NMCNPM-BC.pptx
+++ b/File-Slide/NMCNPM-BC.pptx
@@ -7176,10 +7176,10 @@
       </p:sp>
       <p:pic>
         <p:nvPicPr>
-          <p:cNvPr id="4" name="Picture 3">
+          <p:cNvPr id="5" name="Picture 4">
             <a:extLst>
               <a:ext uri="{FF2B5EF4-FFF2-40B4-BE49-F238E27FC236}">
-                <a16:creationId xmlns:a16="http://schemas.microsoft.com/office/drawing/2014/main" id="{418214C6-B4DE-4E5E-8798-A96E8D679075}"/>
+                <a16:creationId xmlns:a16="http://schemas.microsoft.com/office/drawing/2014/main" id="{B4E87717-8534-4C70-9615-E7F5A7C2060A}"/>
               </a:ext>
             </a:extLst>
           </p:cNvPr>
@@ -7196,8 +7196,8 @@
         </p:blipFill>
         <p:spPr>
           <a:xfrm>
-            <a:off x="1965757" y="1433605"/>
-            <a:ext cx="7639050" cy="4772025"/>
+            <a:off x="2037148" y="1327439"/>
+            <a:ext cx="7105650" cy="5124450"/>
           </a:xfrm>
           <a:prstGeom prst="rect">
             <a:avLst/>

--- a/File-Slide/NMCNPM-BC.pptx
+++ b/File-Slide/NMCNPM-BC.pptx
@@ -7176,10 +7176,10 @@
       </p:sp>
       <p:pic>
         <p:nvPicPr>
-          <p:cNvPr id="5" name="Picture 4">
+          <p:cNvPr id="4" name="Picture 3">
             <a:extLst>
               <a:ext uri="{FF2B5EF4-FFF2-40B4-BE49-F238E27FC236}">
-                <a16:creationId xmlns:a16="http://schemas.microsoft.com/office/drawing/2014/main" id="{B4E87717-8534-4C70-9615-E7F5A7C2060A}"/>
+                <a16:creationId xmlns:a16="http://schemas.microsoft.com/office/drawing/2014/main" id="{5DAC2EC5-61A6-40F8-A011-DA6F525112B9}"/>
               </a:ext>
             </a:extLst>
           </p:cNvPr>
@@ -7196,8 +7196,8 @@
         </p:blipFill>
         <p:spPr>
           <a:xfrm>
-            <a:off x="2037148" y="1327439"/>
-            <a:ext cx="7105650" cy="5124450"/>
+            <a:off x="2086298" y="1336964"/>
+            <a:ext cx="7096125" cy="5114925"/>
           </a:xfrm>
           <a:prstGeom prst="rect">
             <a:avLst/>
